--- a/Predicting with Bank Marketing Data.pptx
+++ b/Predicting with Bank Marketing Data.pptx
@@ -7,21 +7,22 @@
   <p:sldIdLst>
     <p:sldId id="256" r:id="rId2"/>
     <p:sldId id="277" r:id="rId3"/>
-    <p:sldId id="259" r:id="rId4"/>
-    <p:sldId id="260" r:id="rId5"/>
-    <p:sldId id="261" r:id="rId6"/>
-    <p:sldId id="258" r:id="rId7"/>
-    <p:sldId id="262" r:id="rId8"/>
-    <p:sldId id="266" r:id="rId9"/>
-    <p:sldId id="267" r:id="rId10"/>
-    <p:sldId id="268" r:id="rId11"/>
-    <p:sldId id="270" r:id="rId12"/>
-    <p:sldId id="271" r:id="rId13"/>
-    <p:sldId id="272" r:id="rId14"/>
-    <p:sldId id="273" r:id="rId15"/>
-    <p:sldId id="274" r:id="rId16"/>
-    <p:sldId id="275" r:id="rId17"/>
-    <p:sldId id="276" r:id="rId18"/>
+    <p:sldId id="278" r:id="rId4"/>
+    <p:sldId id="259" r:id="rId5"/>
+    <p:sldId id="260" r:id="rId6"/>
+    <p:sldId id="261" r:id="rId7"/>
+    <p:sldId id="258" r:id="rId8"/>
+    <p:sldId id="262" r:id="rId9"/>
+    <p:sldId id="266" r:id="rId10"/>
+    <p:sldId id="267" r:id="rId11"/>
+    <p:sldId id="268" r:id="rId12"/>
+    <p:sldId id="270" r:id="rId13"/>
+    <p:sldId id="271" r:id="rId14"/>
+    <p:sldId id="272" r:id="rId15"/>
+    <p:sldId id="273" r:id="rId16"/>
+    <p:sldId id="274" r:id="rId17"/>
+    <p:sldId id="275" r:id="rId18"/>
+    <p:sldId id="276" r:id="rId19"/>
   </p:sldIdLst>
   <p:sldSz cx="12192000" cy="6858000"/>
   <p:notesSz cx="6858000" cy="9144000"/>
@@ -3680,10 +3681,10 @@
       </p:grpSpPr>
       <p:sp useBgFill="1">
         <p:nvSpPr>
-          <p:cNvPr id="12" name="Rectangle 11">
-            <a:extLst>
-              <a:ext uri="{FF2B5EF4-FFF2-40B4-BE49-F238E27FC236}">
-                <a16:creationId xmlns:a16="http://schemas.microsoft.com/office/drawing/2014/main" id="{5AA03EDC-7067-4DFF-B672-541D016AAAB8}"/>
+          <p:cNvPr id="14" name="Rectangle 13">
+            <a:extLst>
+              <a:ext uri="{FF2B5EF4-FFF2-40B4-BE49-F238E27FC236}">
+                <a16:creationId xmlns:a16="http://schemas.microsoft.com/office/drawing/2014/main" id="{53F29798-D584-4792-9B62-3F5F5C36D619}"/>
               </a:ext>
               <a:ext uri="{C183D7F6-B498-43B3-948B-1728B52AA6E4}">
                 <adec:decorative xmlns:adec="http://schemas.microsoft.com/office/drawing/2017/decorative" val="1"/>
@@ -3704,30 +3705,14 @@
         <p:spPr>
           <a:xfrm>
             <a:off x="0" y="0"/>
-            <a:ext cx="12192000" cy="6858000"/>
+            <a:ext cx="12188952" cy="6858000"/>
           </a:xfrm>
           <a:prstGeom prst="rect">
             <a:avLst/>
           </a:prstGeom>
-          <a:ln w="12700" cap="flat" cmpd="sng" algn="ctr">
+          <a:ln>
             <a:noFill/>
-            <a:prstDash val="solid"/>
-            <a:miter lim="800000"/>
           </a:ln>
-          <a:effectLst/>
-          <a:extLst>
-            <a:ext uri="{91240B29-F687-4F45-9708-019B960494DF}">
-              <a14:hiddenLine xmlns:a14="http://schemas.microsoft.com/office/drawing/2010/main" w="12700" cap="flat" cmpd="sng" algn="ctr">
-                <a:solidFill>
-                  <a:schemeClr val="accent1">
-                    <a:shade val="50000"/>
-                  </a:schemeClr>
-                </a:solidFill>
-                <a:prstDash val="solid"/>
-                <a:miter lim="800000"/>
-              </a14:hiddenLine>
-            </a:ext>
-          </a:extLst>
         </p:spPr>
         <p:style>
           <a:lnRef idx="2">
@@ -3754,12 +3739,221 @@
           </a:p>
         </p:txBody>
       </p:sp>
-      <p:sp>
-        <p:nvSpPr>
-          <p:cNvPr id="14" name="Rectangle 13">
-            <a:extLst>
-              <a:ext uri="{FF2B5EF4-FFF2-40B4-BE49-F238E27FC236}">
-                <a16:creationId xmlns:a16="http://schemas.microsoft.com/office/drawing/2014/main" id="{0EBF3E39-B0BE-496A-8604-9007470FFA3A}"/>
+      <p:pic>
+        <p:nvPicPr>
+          <p:cNvPr id="7" name="Picture 6" descr="Chart&#10;&#10;Description automatically generated">
+            <a:extLst>
+              <a:ext uri="{FF2B5EF4-FFF2-40B4-BE49-F238E27FC236}">
+                <a16:creationId xmlns:a16="http://schemas.microsoft.com/office/drawing/2014/main" id="{B5FB4646-2A80-4630-B2BD-A81D87E42927}"/>
+              </a:ext>
+            </a:extLst>
+          </p:cNvPr>
+          <p:cNvPicPr>
+            <a:picLocks noChangeAspect="1"/>
+          </p:cNvPicPr>
+          <p:nvPr/>
+        </p:nvPicPr>
+        <p:blipFill>
+          <a:blip r:embed="rId2"/>
+          <a:stretch>
+            <a:fillRect/>
+          </a:stretch>
+        </p:blipFill>
+        <p:spPr>
+          <a:xfrm>
+            <a:off x="914400" y="1844675"/>
+            <a:ext cx="5145088" cy="4449763"/>
+          </a:xfrm>
+          <a:prstGeom prst="rect">
+            <a:avLst/>
+          </a:prstGeom>
+        </p:spPr>
+      </p:pic>
+      <p:pic>
+        <p:nvPicPr>
+          <p:cNvPr id="9" name="Content Placeholder 8" descr="Chart&#10;&#10;Description automatically generated">
+            <a:extLst>
+              <a:ext uri="{FF2B5EF4-FFF2-40B4-BE49-F238E27FC236}">
+                <a16:creationId xmlns:a16="http://schemas.microsoft.com/office/drawing/2014/main" id="{83220864-2557-4F27-A76B-508A3638A646}"/>
+              </a:ext>
+            </a:extLst>
+          </p:cNvPr>
+          <p:cNvPicPr>
+            <a:picLocks noGrp="1" noChangeAspect="1"/>
+          </p:cNvPicPr>
+          <p:nvPr>
+            <p:ph idx="1"/>
+          </p:nvPr>
+        </p:nvPicPr>
+        <p:blipFill>
+          <a:blip r:embed="rId3"/>
+          <a:stretch>
+            <a:fillRect/>
+          </a:stretch>
+        </p:blipFill>
+        <p:spPr>
+          <a:xfrm>
+            <a:off x="6130925" y="1844675"/>
+            <a:ext cx="5145088" cy="4449763"/>
+          </a:xfrm>
+        </p:spPr>
+      </p:pic>
+      <p:sp>
+        <p:nvSpPr>
+          <p:cNvPr id="2" name="Title 1">
+            <a:extLst>
+              <a:ext uri="{FF2B5EF4-FFF2-40B4-BE49-F238E27FC236}">
+                <a16:creationId xmlns:a16="http://schemas.microsoft.com/office/drawing/2014/main" id="{6FAFBFCB-7220-4EA3-AA42-F44732B5BFEF}"/>
+              </a:ext>
+            </a:extLst>
+          </p:cNvPr>
+          <p:cNvSpPr>
+            <a:spLocks noGrp="1"/>
+          </p:cNvSpPr>
+          <p:nvPr>
+            <p:ph type="title"/>
+          </p:nvPr>
+        </p:nvSpPr>
+        <p:spPr>
+          <a:xfrm>
+            <a:off x="838200" y="184805"/>
+            <a:ext cx="10515600" cy="1505883"/>
+          </a:xfrm>
+        </p:spPr>
+        <p:txBody>
+          <a:bodyPr vert="horz" lIns="91440" tIns="45720" rIns="91440" bIns="45720" rtlCol="0" anchor="ctr">
+            <a:normAutofit/>
+          </a:bodyPr>
+          <a:lstStyle/>
+          <a:p>
+            <a:r>
+              <a:rPr lang="en-US" sz="5200" kern="1200" dirty="0">
+                <a:solidFill>
+                  <a:schemeClr val="tx1"/>
+                </a:solidFill>
+                <a:latin typeface="+mj-lt"/>
+                <a:ea typeface="+mj-ea"/>
+                <a:cs typeface="+mj-cs"/>
+              </a:rPr>
+              <a:t>Current Model Evaluation</a:t>
+            </a:r>
+          </a:p>
+        </p:txBody>
+      </p:sp>
+      <p:sp>
+        <p:nvSpPr>
+          <p:cNvPr id="10" name="TextBox 9">
+            <a:extLst>
+              <a:ext uri="{FF2B5EF4-FFF2-40B4-BE49-F238E27FC236}">
+                <a16:creationId xmlns:a16="http://schemas.microsoft.com/office/drawing/2014/main" id="{28C29E66-992D-4C6C-B93C-0D1031DAD8F9}"/>
+              </a:ext>
+            </a:extLst>
+          </p:cNvPr>
+          <p:cNvSpPr txBox="1"/>
+          <p:nvPr/>
+        </p:nvSpPr>
+        <p:spPr>
+          <a:xfrm>
+            <a:off x="1548607" y="1521719"/>
+            <a:ext cx="1009315" cy="369332"/>
+          </a:xfrm>
+          <a:prstGeom prst="rect">
+            <a:avLst/>
+          </a:prstGeom>
+          <a:noFill/>
+        </p:spPr>
+        <p:txBody>
+          <a:bodyPr wrap="none" rtlCol="0">
+            <a:spAutoFit/>
+          </a:bodyPr>
+          <a:lstStyle/>
+          <a:p>
+            <a:r>
+              <a:rPr lang="en-US" b="1" dirty="0"/>
+              <a:t>Training:</a:t>
+            </a:r>
+          </a:p>
+        </p:txBody>
+      </p:sp>
+      <p:sp>
+        <p:nvSpPr>
+          <p:cNvPr id="13" name="TextBox 12">
+            <a:extLst>
+              <a:ext uri="{FF2B5EF4-FFF2-40B4-BE49-F238E27FC236}">
+                <a16:creationId xmlns:a16="http://schemas.microsoft.com/office/drawing/2014/main" id="{349B842C-4086-4C4D-846E-E32B53C87EF2}"/>
+              </a:ext>
+            </a:extLst>
+          </p:cNvPr>
+          <p:cNvSpPr txBox="1"/>
+          <p:nvPr/>
+        </p:nvSpPr>
+        <p:spPr>
+          <a:xfrm>
+            <a:off x="6780363" y="1548421"/>
+            <a:ext cx="902898" cy="369332"/>
+          </a:xfrm>
+          <a:prstGeom prst="rect">
+            <a:avLst/>
+          </a:prstGeom>
+          <a:noFill/>
+        </p:spPr>
+        <p:txBody>
+          <a:bodyPr wrap="square">
+            <a:spAutoFit/>
+          </a:bodyPr>
+          <a:lstStyle/>
+          <a:p>
+            <a:r>
+              <a:rPr lang="en-US" b="1" dirty="0"/>
+              <a:t>Valid:</a:t>
+            </a:r>
+          </a:p>
+        </p:txBody>
+      </p:sp>
+    </p:spTree>
+    <p:extLst>
+      <p:ext uri="{BB962C8B-B14F-4D97-AF65-F5344CB8AC3E}">
+        <p14:creationId xmlns:p14="http://schemas.microsoft.com/office/powerpoint/2010/main" val="2286067067"/>
+      </p:ext>
+    </p:extLst>
+  </p:cSld>
+  <p:clrMapOvr>
+    <a:masterClrMapping/>
+  </p:clrMapOvr>
+</p:sld>
+</file>
+
+<file path=ppt/slides/slide11.xml><?xml version="1.0" encoding="utf-8"?>
+<p:sld xmlns:a="http://schemas.openxmlformats.org/drawingml/2006/main" xmlns:r="http://schemas.openxmlformats.org/officeDocument/2006/relationships" xmlns:p="http://schemas.openxmlformats.org/presentationml/2006/main">
+  <p:cSld>
+    <p:bg>
+      <p:bgPr>
+        <a:solidFill>
+          <a:schemeClr val="bg1"/>
+        </a:solidFill>
+        <a:effectLst/>
+      </p:bgPr>
+    </p:bg>
+    <p:spTree>
+      <p:nvGrpSpPr>
+        <p:cNvPr id="1" name=""/>
+        <p:cNvGrpSpPr/>
+        <p:nvPr/>
+      </p:nvGrpSpPr>
+      <p:grpSpPr>
+        <a:xfrm>
+          <a:off x="0" y="0"/>
+          <a:ext cx="0" cy="0"/>
+          <a:chOff x="0" y="0"/>
+          <a:chExt cx="0" cy="0"/>
+        </a:xfrm>
+      </p:grpSpPr>
+      <p:sp useBgFill="1">
+        <p:nvSpPr>
+          <p:cNvPr id="12" name="Rectangle 11">
+            <a:extLst>
+              <a:ext uri="{FF2B5EF4-FFF2-40B4-BE49-F238E27FC236}">
+                <a16:creationId xmlns:a16="http://schemas.microsoft.com/office/drawing/2014/main" id="{5AA03EDC-7067-4DFF-B672-541D016AAAB8}"/>
               </a:ext>
               <a:ext uri="{C183D7F6-B498-43B3-948B-1728B52AA6E4}">
                 <adec:decorative xmlns:adec="http://schemas.microsoft.com/office/drawing/2017/decorative" val="1"/>
@@ -3780,20 +3974,30 @@
         <p:spPr>
           <a:xfrm>
             <a:off x="0" y="0"/>
-            <a:ext cx="6096000" cy="6865473"/>
+            <a:ext cx="12192000" cy="6858000"/>
           </a:xfrm>
           <a:prstGeom prst="rect">
             <a:avLst/>
           </a:prstGeom>
-          <a:solidFill>
-            <a:schemeClr val="accent2">
-              <a:lumMod val="20000"/>
-              <a:lumOff val="80000"/>
-            </a:schemeClr>
-          </a:solidFill>
-          <a:ln>
+          <a:ln w="12700" cap="flat" cmpd="sng" algn="ctr">
             <a:noFill/>
+            <a:prstDash val="solid"/>
+            <a:miter lim="800000"/>
           </a:ln>
+          <a:effectLst/>
+          <a:extLst>
+            <a:ext uri="{91240B29-F687-4F45-9708-019B960494DF}">
+              <a14:hiddenLine xmlns:a14="http://schemas.microsoft.com/office/drawing/2010/main" w="12700" cap="flat" cmpd="sng" algn="ctr">
+                <a:solidFill>
+                  <a:schemeClr val="accent1">
+                    <a:shade val="50000"/>
+                  </a:schemeClr>
+                </a:solidFill>
+                <a:prstDash val="solid"/>
+                <a:miter lim="800000"/>
+              </a14:hiddenLine>
+            </a:ext>
+          </a:extLst>
         </p:spPr>
         <p:style>
           <a:lnRef idx="2">
@@ -3822,6 +4026,72 @@
       </p:sp>
       <p:sp>
         <p:nvSpPr>
+          <p:cNvPr id="14" name="Rectangle 13">
+            <a:extLst>
+              <a:ext uri="{FF2B5EF4-FFF2-40B4-BE49-F238E27FC236}">
+                <a16:creationId xmlns:a16="http://schemas.microsoft.com/office/drawing/2014/main" id="{0EBF3E39-B0BE-496A-8604-9007470FFA3A}"/>
+              </a:ext>
+              <a:ext uri="{C183D7F6-B498-43B3-948B-1728B52AA6E4}">
+                <adec:decorative xmlns:adec="http://schemas.microsoft.com/office/drawing/2017/decorative" val="1"/>
+              </a:ext>
+            </a:extLst>
+          </p:cNvPr>
+          <p:cNvSpPr>
+            <a:spLocks noGrp="1" noRot="1" noChangeAspect="1" noMove="1" noResize="1" noEditPoints="1" noAdjustHandles="1" noChangeArrowheads="1" noChangeShapeType="1" noTextEdit="1"/>
+          </p:cNvSpPr>
+          <p:nvPr>
+            <p:extLst>
+              <p:ext uri="{386F3935-93C4-4BCD-93E2-E3B085C9AB24}">
+                <p16:designElem xmlns:p16="http://schemas.microsoft.com/office/powerpoint/2015/main" val="1"/>
+              </p:ext>
+            </p:extLst>
+          </p:nvPr>
+        </p:nvSpPr>
+        <p:spPr>
+          <a:xfrm>
+            <a:off x="0" y="0"/>
+            <a:ext cx="6096000" cy="6865473"/>
+          </a:xfrm>
+          <a:prstGeom prst="rect">
+            <a:avLst/>
+          </a:prstGeom>
+          <a:solidFill>
+            <a:schemeClr val="accent2">
+              <a:lumMod val="20000"/>
+              <a:lumOff val="80000"/>
+            </a:schemeClr>
+          </a:solidFill>
+          <a:ln>
+            <a:noFill/>
+          </a:ln>
+        </p:spPr>
+        <p:style>
+          <a:lnRef idx="2">
+            <a:schemeClr val="accent1">
+              <a:shade val="50000"/>
+            </a:schemeClr>
+          </a:lnRef>
+          <a:fillRef idx="1">
+            <a:schemeClr val="accent1"/>
+          </a:fillRef>
+          <a:effectRef idx="0">
+            <a:schemeClr val="accent1"/>
+          </a:effectRef>
+          <a:fontRef idx="minor">
+            <a:schemeClr val="lt1"/>
+          </a:fontRef>
+        </p:style>
+        <p:txBody>
+          <a:bodyPr rtlCol="0" anchor="ctr"/>
+          <a:lstStyle/>
+          <a:p>
+            <a:pPr algn="ctr"/>
+            <a:endParaRPr lang="en-US"/>
+          </a:p>
+        </p:txBody>
+      </p:sp>
+      <p:sp>
+        <p:nvSpPr>
           <p:cNvPr id="2" name="Title 1">
             <a:extLst>
               <a:ext uri="{FF2B5EF4-FFF2-40B4-BE49-F238E27FC236}">
@@ -3962,129 +4232,6 @@
     <p:extLst>
       <p:ext uri="{BB962C8B-B14F-4D97-AF65-F5344CB8AC3E}">
         <p14:creationId xmlns:p14="http://schemas.microsoft.com/office/powerpoint/2010/main" val="3032236917"/>
-      </p:ext>
-    </p:extLst>
-  </p:cSld>
-  <p:clrMapOvr>
-    <a:masterClrMapping/>
-  </p:clrMapOvr>
-</p:sld>
-</file>
-
-<file path=ppt/slides/slide11.xml><?xml version="1.0" encoding="utf-8"?>
-<p:sld xmlns:a="http://schemas.openxmlformats.org/drawingml/2006/main" xmlns:r="http://schemas.openxmlformats.org/officeDocument/2006/relationships" xmlns:p="http://schemas.openxmlformats.org/presentationml/2006/main">
-  <p:cSld>
-    <p:spTree>
-      <p:nvGrpSpPr>
-        <p:cNvPr id="1" name=""/>
-        <p:cNvGrpSpPr/>
-        <p:nvPr/>
-      </p:nvGrpSpPr>
-      <p:grpSpPr>
-        <a:xfrm>
-          <a:off x="0" y="0"/>
-          <a:ext cx="0" cy="0"/>
-          <a:chOff x="0" y="0"/>
-          <a:chExt cx="0" cy="0"/>
-        </a:xfrm>
-      </p:grpSpPr>
-      <p:sp>
-        <p:nvSpPr>
-          <p:cNvPr id="2" name="Title 1">
-            <a:extLst>
-              <a:ext uri="{FF2B5EF4-FFF2-40B4-BE49-F238E27FC236}">
-                <a16:creationId xmlns:a16="http://schemas.microsoft.com/office/drawing/2014/main" id="{8E97FF31-0027-4BC1-BDD9-C4BFD7E01759}"/>
-              </a:ext>
-            </a:extLst>
-          </p:cNvPr>
-          <p:cNvSpPr>
-            <a:spLocks noGrp="1"/>
-          </p:cNvSpPr>
-          <p:nvPr>
-            <p:ph type="title"/>
-          </p:nvPr>
-        </p:nvSpPr>
-        <p:spPr/>
-        <p:txBody>
-          <a:bodyPr/>
-          <a:lstStyle/>
-          <a:p>
-            <a:r>
-              <a:rPr lang="en-US"/>
-              <a:t>New Model: Random Forest</a:t>
-            </a:r>
-            <a:endParaRPr lang="en-US" dirty="0"/>
-          </a:p>
-        </p:txBody>
-      </p:sp>
-      <p:pic>
-        <p:nvPicPr>
-          <p:cNvPr id="5" name="Content Placeholder 4" descr="Diagram&#10;&#10;Description automatically generated">
-            <a:extLst>
-              <a:ext uri="{FF2B5EF4-FFF2-40B4-BE49-F238E27FC236}">
-                <a16:creationId xmlns:a16="http://schemas.microsoft.com/office/drawing/2014/main" id="{B854FFFE-DC4A-4E5E-A56D-9113E81692B8}"/>
-              </a:ext>
-            </a:extLst>
-          </p:cNvPr>
-          <p:cNvPicPr>
-            <a:picLocks noGrp="1" noChangeAspect="1"/>
-          </p:cNvPicPr>
-          <p:nvPr>
-            <p:ph idx="1"/>
-          </p:nvPr>
-        </p:nvPicPr>
-        <p:blipFill>
-          <a:blip r:embed="rId2"/>
-          <a:stretch>
-            <a:fillRect/>
-          </a:stretch>
-        </p:blipFill>
-        <p:spPr>
-          <a:xfrm>
-            <a:off x="838200" y="2010106"/>
-            <a:ext cx="4102881" cy="4351338"/>
-          </a:xfrm>
-        </p:spPr>
-      </p:pic>
-      <p:pic>
-        <p:nvPicPr>
-          <p:cNvPr id="7" name="Picture 6" descr="Diagram&#10;&#10;Description automatically generated">
-            <a:extLst>
-              <a:ext uri="{FF2B5EF4-FFF2-40B4-BE49-F238E27FC236}">
-                <a16:creationId xmlns:a16="http://schemas.microsoft.com/office/drawing/2014/main" id="{303BB81E-DB63-4ABA-ABD7-1B4A06533A3A}"/>
-              </a:ext>
-            </a:extLst>
-          </p:cNvPr>
-          <p:cNvPicPr>
-            <a:picLocks noChangeAspect="1"/>
-          </p:cNvPicPr>
-          <p:nvPr/>
-        </p:nvPicPr>
-        <p:blipFill rotWithShape="1">
-          <a:blip r:embed="rId3">
-            <a:extLst>
-              <a:ext uri="{28A0092B-C50C-407E-A947-70E740481C1C}">
-                <a14:useLocalDpi xmlns:a14="http://schemas.microsoft.com/office/drawing/2010/main" val="0"/>
-              </a:ext>
-            </a:extLst>
-          </a:blip>
-          <a:srcRect l="48617" t="685" r="1"/>
-          <a:stretch/>
-        </p:blipFill>
-        <p:spPr>
-          <a:xfrm>
-            <a:off x="6430296" y="2010106"/>
-            <a:ext cx="4240162" cy="4172964"/>
-          </a:xfrm>
-          <a:prstGeom prst="rect">
-            <a:avLst/>
-          </a:prstGeom>
-        </p:spPr>
-      </p:pic>
-    </p:spTree>
-    <p:extLst>
-      <p:ext uri="{BB962C8B-B14F-4D97-AF65-F5344CB8AC3E}">
-        <p14:creationId xmlns:p14="http://schemas.microsoft.com/office/powerpoint/2010/main" val="3645107905"/>
       </p:ext>
     </p:extLst>
   </p:cSld>
@@ -4116,7 +4263,7 @@
           <p:cNvPr id="2" name="Title 1">
             <a:extLst>
               <a:ext uri="{FF2B5EF4-FFF2-40B4-BE49-F238E27FC236}">
-                <a16:creationId xmlns:a16="http://schemas.microsoft.com/office/drawing/2014/main" id="{AFDB7AB8-A1D0-4AD7-A873-EE37FE7239D8}"/>
+                <a16:creationId xmlns:a16="http://schemas.microsoft.com/office/drawing/2014/main" id="{8E97FF31-0027-4BC1-BDD9-C4BFD7E01759}"/>
               </a:ext>
             </a:extLst>
           </p:cNvPr>
@@ -4133,18 +4280,19 @@
           <a:lstStyle/>
           <a:p>
             <a:r>
-              <a:rPr lang="en-US" dirty="0"/>
-              <a:t>Random Forest Performance</a:t>
-            </a:r>
+              <a:rPr lang="en-US"/>
+              <a:t>New Model: Random Forest</a:t>
+            </a:r>
+            <a:endParaRPr lang="en-US" dirty="0"/>
           </a:p>
         </p:txBody>
       </p:sp>
       <p:pic>
         <p:nvPicPr>
-          <p:cNvPr id="5" name="Content Placeholder 4" descr="Chart&#10;&#10;Description automatically generated">
-            <a:extLst>
-              <a:ext uri="{FF2B5EF4-FFF2-40B4-BE49-F238E27FC236}">
-                <a16:creationId xmlns:a16="http://schemas.microsoft.com/office/drawing/2014/main" id="{E8BAA1AA-C59E-4C89-BC73-3F4045137969}"/>
+          <p:cNvPr id="5" name="Content Placeholder 4" descr="Diagram&#10;&#10;Description automatically generated">
+            <a:extLst>
+              <a:ext uri="{FF2B5EF4-FFF2-40B4-BE49-F238E27FC236}">
+                <a16:creationId xmlns:a16="http://schemas.microsoft.com/office/drawing/2014/main" id="{B854FFFE-DC4A-4E5E-A56D-9113E81692B8}"/>
               </a:ext>
             </a:extLst>
           </p:cNvPr>
@@ -4163,17 +4311,17 @@
         </p:blipFill>
         <p:spPr>
           <a:xfrm>
-            <a:off x="747632" y="1921490"/>
-            <a:ext cx="5018605" cy="4351338"/>
+            <a:off x="838200" y="2010106"/>
+            <a:ext cx="4102881" cy="4351338"/>
           </a:xfrm>
         </p:spPr>
       </p:pic>
       <p:pic>
         <p:nvPicPr>
-          <p:cNvPr id="7" name="Picture 6" descr="Chart, line chart&#10;&#10;Description automatically generated">
-            <a:extLst>
-              <a:ext uri="{FF2B5EF4-FFF2-40B4-BE49-F238E27FC236}">
-                <a16:creationId xmlns:a16="http://schemas.microsoft.com/office/drawing/2014/main" id="{40856BB1-D205-4DDA-B3F5-6AE70113DB6A}"/>
+          <p:cNvPr id="7" name="Picture 6" descr="Diagram&#10;&#10;Description automatically generated">
+            <a:extLst>
+              <a:ext uri="{FF2B5EF4-FFF2-40B4-BE49-F238E27FC236}">
+                <a16:creationId xmlns:a16="http://schemas.microsoft.com/office/drawing/2014/main" id="{303BB81E-DB63-4ABA-ABD7-1B4A06533A3A}"/>
               </a:ext>
             </a:extLst>
           </p:cNvPr>
@@ -4182,96 +4330,31 @@
           </p:cNvPicPr>
           <p:nvPr/>
         </p:nvPicPr>
-        <p:blipFill>
-          <a:blip r:embed="rId3"/>
-          <a:stretch>
-            <a:fillRect/>
-          </a:stretch>
+        <p:blipFill rotWithShape="1">
+          <a:blip r:embed="rId3">
+            <a:extLst>
+              <a:ext uri="{28A0092B-C50C-407E-A947-70E740481C1C}">
+                <a14:useLocalDpi xmlns:a14="http://schemas.microsoft.com/office/drawing/2010/main" val="0"/>
+              </a:ext>
+            </a:extLst>
+          </a:blip>
+          <a:srcRect l="48617" t="685" r="1"/>
+          <a:stretch/>
         </p:blipFill>
         <p:spPr>
           <a:xfrm>
-            <a:off x="6096000" y="1921490"/>
-            <a:ext cx="5092268" cy="4415206"/>
+            <a:off x="6430296" y="2010106"/>
+            <a:ext cx="4240162" cy="4172964"/>
           </a:xfrm>
           <a:prstGeom prst="rect">
             <a:avLst/>
           </a:prstGeom>
         </p:spPr>
       </p:pic>
-      <p:sp>
-        <p:nvSpPr>
-          <p:cNvPr id="8" name="TextBox 7">
-            <a:extLst>
-              <a:ext uri="{FF2B5EF4-FFF2-40B4-BE49-F238E27FC236}">
-                <a16:creationId xmlns:a16="http://schemas.microsoft.com/office/drawing/2014/main" id="{8BABF34C-0870-49FD-AC49-6315F27E9452}"/>
-              </a:ext>
-            </a:extLst>
-          </p:cNvPr>
-          <p:cNvSpPr txBox="1"/>
-          <p:nvPr/>
-        </p:nvSpPr>
-        <p:spPr>
-          <a:xfrm>
-            <a:off x="1356878" y="1563632"/>
-            <a:ext cx="1009315" cy="369332"/>
-          </a:xfrm>
-          <a:prstGeom prst="rect">
-            <a:avLst/>
-          </a:prstGeom>
-          <a:noFill/>
-        </p:spPr>
-        <p:txBody>
-          <a:bodyPr wrap="none" rtlCol="0">
-            <a:spAutoFit/>
-          </a:bodyPr>
-          <a:lstStyle/>
-          <a:p>
-            <a:r>
-              <a:rPr lang="en-US" b="1" dirty="0"/>
-              <a:t>Training:</a:t>
-            </a:r>
-          </a:p>
-        </p:txBody>
-      </p:sp>
-      <p:sp>
-        <p:nvSpPr>
-          <p:cNvPr id="9" name="TextBox 8">
-            <a:extLst>
-              <a:ext uri="{FF2B5EF4-FFF2-40B4-BE49-F238E27FC236}">
-                <a16:creationId xmlns:a16="http://schemas.microsoft.com/office/drawing/2014/main" id="{CD216F16-D8FD-4FA4-9CEF-F50C26A3092A}"/>
-              </a:ext>
-            </a:extLst>
-          </p:cNvPr>
-          <p:cNvSpPr txBox="1"/>
-          <p:nvPr/>
-        </p:nvSpPr>
-        <p:spPr>
-          <a:xfrm>
-            <a:off x="6780363" y="1548421"/>
-            <a:ext cx="902898" cy="369332"/>
-          </a:xfrm>
-          <a:prstGeom prst="rect">
-            <a:avLst/>
-          </a:prstGeom>
-          <a:noFill/>
-        </p:spPr>
-        <p:txBody>
-          <a:bodyPr wrap="square">
-            <a:spAutoFit/>
-          </a:bodyPr>
-          <a:lstStyle/>
-          <a:p>
-            <a:r>
-              <a:rPr lang="en-US" b="1" dirty="0"/>
-              <a:t>Valid:</a:t>
-            </a:r>
-          </a:p>
-        </p:txBody>
-      </p:sp>
     </p:spTree>
     <p:extLst>
       <p:ext uri="{BB962C8B-B14F-4D97-AF65-F5344CB8AC3E}">
-        <p14:creationId xmlns:p14="http://schemas.microsoft.com/office/powerpoint/2010/main" val="1751018061"/>
+        <p14:creationId xmlns:p14="http://schemas.microsoft.com/office/powerpoint/2010/main" val="3645107905"/>
       </p:ext>
     </p:extLst>
   </p:cSld>
@@ -4284,14 +4367,6 @@
 <file path=ppt/slides/slide13.xml><?xml version="1.0" encoding="utf-8"?>
 <p:sld xmlns:a="http://schemas.openxmlformats.org/drawingml/2006/main" xmlns:r="http://schemas.openxmlformats.org/officeDocument/2006/relationships" xmlns:p="http://schemas.openxmlformats.org/presentationml/2006/main">
   <p:cSld>
-    <p:bg>
-      <p:bgPr>
-        <a:solidFill>
-          <a:schemeClr val="bg1"/>
-        </a:solidFill>
-        <a:effectLst/>
-      </p:bgPr>
-    </p:bg>
     <p:spTree>
       <p:nvGrpSpPr>
         <p:cNvPr id="1" name=""/>
@@ -4306,154 +4381,12 @@
           <a:chExt cx="0" cy="0"/>
         </a:xfrm>
       </p:grpSpPr>
-      <p:sp useBgFill="1">
-        <p:nvSpPr>
-          <p:cNvPr id="12" name="Rectangle 11">
-            <a:extLst>
-              <a:ext uri="{FF2B5EF4-FFF2-40B4-BE49-F238E27FC236}">
-                <a16:creationId xmlns:a16="http://schemas.microsoft.com/office/drawing/2014/main" id="{5AA03EDC-7067-4DFF-B672-541D016AAAB8}"/>
-              </a:ext>
-              <a:ext uri="{C183D7F6-B498-43B3-948B-1728B52AA6E4}">
-                <adec:decorative xmlns:adec="http://schemas.microsoft.com/office/drawing/2017/decorative" val="1"/>
-              </a:ext>
-            </a:extLst>
-          </p:cNvPr>
-          <p:cNvSpPr>
-            <a:spLocks noGrp="1" noRot="1" noChangeAspect="1" noMove="1" noResize="1" noEditPoints="1" noAdjustHandles="1" noChangeArrowheads="1" noChangeShapeType="1" noTextEdit="1"/>
-          </p:cNvSpPr>
-          <p:nvPr>
-            <p:extLst>
-              <p:ext uri="{386F3935-93C4-4BCD-93E2-E3B085C9AB24}">
-                <p16:designElem xmlns:p16="http://schemas.microsoft.com/office/powerpoint/2015/main" val="1"/>
-              </p:ext>
-            </p:extLst>
-          </p:nvPr>
-        </p:nvSpPr>
-        <p:spPr>
-          <a:xfrm>
-            <a:off x="0" y="0"/>
-            <a:ext cx="12192000" cy="6858000"/>
-          </a:xfrm>
-          <a:prstGeom prst="rect">
-            <a:avLst/>
-          </a:prstGeom>
-          <a:ln w="12700" cap="flat" cmpd="sng" algn="ctr">
-            <a:noFill/>
-            <a:prstDash val="solid"/>
-            <a:miter lim="800000"/>
-          </a:ln>
-          <a:effectLst/>
-          <a:extLst>
-            <a:ext uri="{91240B29-F687-4F45-9708-019B960494DF}">
-              <a14:hiddenLine xmlns:a14="http://schemas.microsoft.com/office/drawing/2010/main" w="12700" cap="flat" cmpd="sng" algn="ctr">
-                <a:solidFill>
-                  <a:schemeClr val="accent1">
-                    <a:shade val="50000"/>
-                  </a:schemeClr>
-                </a:solidFill>
-                <a:prstDash val="solid"/>
-                <a:miter lim="800000"/>
-              </a14:hiddenLine>
-            </a:ext>
-          </a:extLst>
-        </p:spPr>
-        <p:style>
-          <a:lnRef idx="2">
-            <a:schemeClr val="accent1">
-              <a:shade val="50000"/>
-            </a:schemeClr>
-          </a:lnRef>
-          <a:fillRef idx="1">
-            <a:schemeClr val="accent1"/>
-          </a:fillRef>
-          <a:effectRef idx="0">
-            <a:schemeClr val="accent1"/>
-          </a:effectRef>
-          <a:fontRef idx="minor">
-            <a:schemeClr val="lt1"/>
-          </a:fontRef>
-        </p:style>
-        <p:txBody>
-          <a:bodyPr rtlCol="0" anchor="ctr"/>
-          <a:lstStyle/>
-          <a:p>
-            <a:pPr algn="ctr"/>
-            <a:endParaRPr lang="en-US"/>
-          </a:p>
-        </p:txBody>
-      </p:sp>
-      <p:sp>
-        <p:nvSpPr>
-          <p:cNvPr id="14" name="Rectangle 13">
-            <a:extLst>
-              <a:ext uri="{FF2B5EF4-FFF2-40B4-BE49-F238E27FC236}">
-                <a16:creationId xmlns:a16="http://schemas.microsoft.com/office/drawing/2014/main" id="{0EBF3E39-B0BE-496A-8604-9007470FFA3A}"/>
-              </a:ext>
-              <a:ext uri="{C183D7F6-B498-43B3-948B-1728B52AA6E4}">
-                <adec:decorative xmlns:adec="http://schemas.microsoft.com/office/drawing/2017/decorative" val="1"/>
-              </a:ext>
-            </a:extLst>
-          </p:cNvPr>
-          <p:cNvSpPr>
-            <a:spLocks noGrp="1" noRot="1" noChangeAspect="1" noMove="1" noResize="1" noEditPoints="1" noAdjustHandles="1" noChangeArrowheads="1" noChangeShapeType="1" noTextEdit="1"/>
-          </p:cNvSpPr>
-          <p:nvPr>
-            <p:extLst>
-              <p:ext uri="{386F3935-93C4-4BCD-93E2-E3B085C9AB24}">
-                <p16:designElem xmlns:p16="http://schemas.microsoft.com/office/powerpoint/2015/main" val="1"/>
-              </p:ext>
-            </p:extLst>
-          </p:nvPr>
-        </p:nvSpPr>
-        <p:spPr>
-          <a:xfrm>
-            <a:off x="0" y="0"/>
-            <a:ext cx="6096000" cy="6865473"/>
-          </a:xfrm>
-          <a:prstGeom prst="rect">
-            <a:avLst/>
-          </a:prstGeom>
-          <a:solidFill>
-            <a:schemeClr val="accent2">
-              <a:lumMod val="20000"/>
-              <a:lumOff val="80000"/>
-            </a:schemeClr>
-          </a:solidFill>
-          <a:ln>
-            <a:noFill/>
-          </a:ln>
-        </p:spPr>
-        <p:style>
-          <a:lnRef idx="2">
-            <a:schemeClr val="accent1">
-              <a:shade val="50000"/>
-            </a:schemeClr>
-          </a:lnRef>
-          <a:fillRef idx="1">
-            <a:schemeClr val="accent1"/>
-          </a:fillRef>
-          <a:effectRef idx="0">
-            <a:schemeClr val="accent1"/>
-          </a:effectRef>
-          <a:fontRef idx="minor">
-            <a:schemeClr val="lt1"/>
-          </a:fontRef>
-        </p:style>
-        <p:txBody>
-          <a:bodyPr rtlCol="0" anchor="ctr"/>
-          <a:lstStyle/>
-          <a:p>
-            <a:pPr algn="ctr"/>
-            <a:endParaRPr lang="en-US"/>
-          </a:p>
-        </p:txBody>
-      </p:sp>
       <p:sp>
         <p:nvSpPr>
           <p:cNvPr id="2" name="Title 1">
             <a:extLst>
               <a:ext uri="{FF2B5EF4-FFF2-40B4-BE49-F238E27FC236}">
-                <a16:creationId xmlns:a16="http://schemas.microsoft.com/office/drawing/2014/main" id="{C1968E40-6978-49AE-946B-77E6E819F53D}"/>
+                <a16:creationId xmlns:a16="http://schemas.microsoft.com/office/drawing/2014/main" id="{AFDB7AB8-A1D0-4AD7-A873-EE37FE7239D8}"/>
               </a:ext>
             </a:extLst>
           </p:cNvPr>
@@ -4464,127 +4397,33 @@
             <p:ph type="title"/>
           </p:nvPr>
         </p:nvSpPr>
-        <p:spPr>
-          <a:xfrm>
-            <a:off x="546977" y="332442"/>
-            <a:ext cx="4873055" cy="1474666"/>
-          </a:xfrm>
-        </p:spPr>
-        <p:txBody>
-          <a:bodyPr anchor="b">
-            <a:normAutofit/>
-          </a:bodyPr>
-          <a:lstStyle/>
-          <a:p>
-            <a:pPr algn="ctr"/>
-            <a:r>
-              <a:rPr lang="en-US" sz="3200" dirty="0">
-                <a:solidFill>
-                  <a:srgbClr val="595959"/>
-                </a:solidFill>
-              </a:rPr>
-              <a:t>Let’s try with threshold = 0.5</a:t>
-            </a:r>
-          </a:p>
-        </p:txBody>
-      </p:sp>
-      <p:sp>
-        <p:nvSpPr>
-          <p:cNvPr id="9" name="Content Placeholder 8">
-            <a:extLst>
-              <a:ext uri="{FF2B5EF4-FFF2-40B4-BE49-F238E27FC236}">
-                <a16:creationId xmlns:a16="http://schemas.microsoft.com/office/drawing/2014/main" id="{A9E81F62-0DA5-4618-9259-8F883A103A93}"/>
-              </a:ext>
-            </a:extLst>
-          </p:cNvPr>
-          <p:cNvSpPr>
-            <a:spLocks noGrp="1"/>
-          </p:cNvSpPr>
-          <p:nvPr>
-            <p:ph idx="1"/>
-          </p:nvPr>
-        </p:nvSpPr>
-        <p:spPr>
-          <a:xfrm>
-            <a:off x="871442" y="2447337"/>
-            <a:ext cx="4353116" cy="3770434"/>
-          </a:xfrm>
-        </p:spPr>
-        <p:txBody>
-          <a:bodyPr anchor="t">
-            <a:normAutofit/>
-          </a:bodyPr>
-          <a:lstStyle/>
-          <a:p>
-            <a:r>
-              <a:rPr lang="en-US" sz="2000" b="1" dirty="0">
-                <a:solidFill>
-                  <a:srgbClr val="595959"/>
-                </a:solidFill>
-              </a:rPr>
-              <a:t>Recall: </a:t>
-            </a:r>
-            <a:r>
-              <a:rPr lang="en-US" sz="2000" dirty="0">
-                <a:solidFill>
-                  <a:srgbClr val="595959"/>
-                </a:solidFill>
-              </a:rPr>
-              <a:t>	0.9747</a:t>
-            </a:r>
-            <a:br>
-              <a:rPr lang="en-US" sz="2000" dirty="0">
-                <a:solidFill>
-                  <a:srgbClr val="595959"/>
-                </a:solidFill>
-              </a:rPr>
-            </a:br>
-            <a:endParaRPr lang="en-US" sz="2000" dirty="0">
-              <a:solidFill>
-                <a:srgbClr val="595959"/>
-              </a:solidFill>
-            </a:endParaRPr>
-          </a:p>
-          <a:p>
-            <a:r>
-              <a:rPr lang="en-US" sz="2000" b="1" dirty="0">
-                <a:solidFill>
-                  <a:srgbClr val="595959"/>
-                </a:solidFill>
-              </a:rPr>
-              <a:t>Precision: </a:t>
-            </a:r>
-            <a:r>
-              <a:rPr lang="en-US" sz="2000" dirty="0">
-                <a:solidFill>
-                  <a:srgbClr val="595959"/>
-                </a:solidFill>
-              </a:rPr>
-              <a:t>	0.6234</a:t>
-            </a:r>
-          </a:p>
-          <a:p>
-            <a:endParaRPr lang="en-US" sz="1600" dirty="0">
-              <a:solidFill>
-                <a:srgbClr val="595959"/>
-              </a:solidFill>
-            </a:endParaRPr>
+        <p:spPr/>
+        <p:txBody>
+          <a:bodyPr/>
+          <a:lstStyle/>
+          <a:p>
+            <a:r>
+              <a:rPr lang="en-US" dirty="0"/>
+              <a:t>Random Forest Performance</a:t>
+            </a:r>
           </a:p>
         </p:txBody>
       </p:sp>
       <p:pic>
         <p:nvPicPr>
-          <p:cNvPr id="5" name="Content Placeholder 4" descr="Text&#10;&#10;Description automatically generated">
-            <a:extLst>
-              <a:ext uri="{FF2B5EF4-FFF2-40B4-BE49-F238E27FC236}">
-                <a16:creationId xmlns:a16="http://schemas.microsoft.com/office/drawing/2014/main" id="{3CE32F21-F9B7-4DD4-89E2-B1B7308BBB0F}"/>
+          <p:cNvPr id="5" name="Content Placeholder 4" descr="Chart&#10;&#10;Description automatically generated">
+            <a:extLst>
+              <a:ext uri="{FF2B5EF4-FFF2-40B4-BE49-F238E27FC236}">
+                <a16:creationId xmlns:a16="http://schemas.microsoft.com/office/drawing/2014/main" id="{E8BAA1AA-C59E-4C89-BC73-3F4045137969}"/>
               </a:ext>
             </a:extLst>
           </p:cNvPr>
           <p:cNvPicPr>
-            <a:picLocks noChangeAspect="1"/>
+            <a:picLocks noGrp="1" noChangeAspect="1"/>
           </p:cNvPicPr>
-          <p:nvPr/>
+          <p:nvPr>
+            <p:ph idx="1"/>
+          </p:nvPr>
         </p:nvPicPr>
         <p:blipFill>
           <a:blip r:embed="rId2"/>
@@ -4594,18 +4433,115 @@
         </p:blipFill>
         <p:spPr>
           <a:xfrm>
-            <a:off x="6781801" y="1682871"/>
-            <a:ext cx="4797056" cy="3537828"/>
+            <a:off x="747632" y="1921490"/>
+            <a:ext cx="5018605" cy="4351338"/>
+          </a:xfrm>
+        </p:spPr>
+      </p:pic>
+      <p:pic>
+        <p:nvPicPr>
+          <p:cNvPr id="7" name="Picture 6" descr="Chart, line chart&#10;&#10;Description automatically generated">
+            <a:extLst>
+              <a:ext uri="{FF2B5EF4-FFF2-40B4-BE49-F238E27FC236}">
+                <a16:creationId xmlns:a16="http://schemas.microsoft.com/office/drawing/2014/main" id="{40856BB1-D205-4DDA-B3F5-6AE70113DB6A}"/>
+              </a:ext>
+            </a:extLst>
+          </p:cNvPr>
+          <p:cNvPicPr>
+            <a:picLocks noChangeAspect="1"/>
+          </p:cNvPicPr>
+          <p:nvPr/>
+        </p:nvPicPr>
+        <p:blipFill>
+          <a:blip r:embed="rId3"/>
+          <a:stretch>
+            <a:fillRect/>
+          </a:stretch>
+        </p:blipFill>
+        <p:spPr>
+          <a:xfrm>
+            <a:off x="6096000" y="1921490"/>
+            <a:ext cx="5092268" cy="4415206"/>
           </a:xfrm>
           <a:prstGeom prst="rect">
             <a:avLst/>
           </a:prstGeom>
         </p:spPr>
       </p:pic>
+      <p:sp>
+        <p:nvSpPr>
+          <p:cNvPr id="8" name="TextBox 7">
+            <a:extLst>
+              <a:ext uri="{FF2B5EF4-FFF2-40B4-BE49-F238E27FC236}">
+                <a16:creationId xmlns:a16="http://schemas.microsoft.com/office/drawing/2014/main" id="{8BABF34C-0870-49FD-AC49-6315F27E9452}"/>
+              </a:ext>
+            </a:extLst>
+          </p:cNvPr>
+          <p:cNvSpPr txBox="1"/>
+          <p:nvPr/>
+        </p:nvSpPr>
+        <p:spPr>
+          <a:xfrm>
+            <a:off x="1356878" y="1563632"/>
+            <a:ext cx="1009315" cy="369332"/>
+          </a:xfrm>
+          <a:prstGeom prst="rect">
+            <a:avLst/>
+          </a:prstGeom>
+          <a:noFill/>
+        </p:spPr>
+        <p:txBody>
+          <a:bodyPr wrap="none" rtlCol="0">
+            <a:spAutoFit/>
+          </a:bodyPr>
+          <a:lstStyle/>
+          <a:p>
+            <a:r>
+              <a:rPr lang="en-US" b="1" dirty="0"/>
+              <a:t>Training:</a:t>
+            </a:r>
+          </a:p>
+        </p:txBody>
+      </p:sp>
+      <p:sp>
+        <p:nvSpPr>
+          <p:cNvPr id="9" name="TextBox 8">
+            <a:extLst>
+              <a:ext uri="{FF2B5EF4-FFF2-40B4-BE49-F238E27FC236}">
+                <a16:creationId xmlns:a16="http://schemas.microsoft.com/office/drawing/2014/main" id="{CD216F16-D8FD-4FA4-9CEF-F50C26A3092A}"/>
+              </a:ext>
+            </a:extLst>
+          </p:cNvPr>
+          <p:cNvSpPr txBox="1"/>
+          <p:nvPr/>
+        </p:nvSpPr>
+        <p:spPr>
+          <a:xfrm>
+            <a:off x="6780363" y="1548421"/>
+            <a:ext cx="902898" cy="369332"/>
+          </a:xfrm>
+          <a:prstGeom prst="rect">
+            <a:avLst/>
+          </a:prstGeom>
+          <a:noFill/>
+        </p:spPr>
+        <p:txBody>
+          <a:bodyPr wrap="square">
+            <a:spAutoFit/>
+          </a:bodyPr>
+          <a:lstStyle/>
+          <a:p>
+            <a:r>
+              <a:rPr lang="en-US" b="1" dirty="0"/>
+              <a:t>Valid:</a:t>
+            </a:r>
+          </a:p>
+        </p:txBody>
+      </p:sp>
     </p:spTree>
     <p:extLst>
       <p:ext uri="{BB962C8B-B14F-4D97-AF65-F5344CB8AC3E}">
-        <p14:creationId xmlns:p14="http://schemas.microsoft.com/office/powerpoint/2010/main" val="3936162783"/>
+        <p14:creationId xmlns:p14="http://schemas.microsoft.com/office/powerpoint/2010/main" val="1751018061"/>
       </p:ext>
     </p:extLst>
   </p:cSld>
@@ -4642,10 +4578,10 @@
       </p:grpSpPr>
       <p:sp useBgFill="1">
         <p:nvSpPr>
-          <p:cNvPr id="10" name="Rectangle 9">
-            <a:extLst>
-              <a:ext uri="{FF2B5EF4-FFF2-40B4-BE49-F238E27FC236}">
-                <a16:creationId xmlns:a16="http://schemas.microsoft.com/office/drawing/2014/main" id="{C6FC42E6-6C25-4922-95D2-B97B1E123559}"/>
+          <p:cNvPr id="12" name="Rectangle 11">
+            <a:extLst>
+              <a:ext uri="{FF2B5EF4-FFF2-40B4-BE49-F238E27FC236}">
+                <a16:creationId xmlns:a16="http://schemas.microsoft.com/office/drawing/2014/main" id="{5AA03EDC-7067-4DFF-B672-541D016AAAB8}"/>
               </a:ext>
               <a:ext uri="{C183D7F6-B498-43B3-948B-1728B52AA6E4}">
                 <adec:decorative xmlns:adec="http://schemas.microsoft.com/office/drawing/2017/decorative" val="1"/>
@@ -4718,10 +4654,10 @@
       </p:sp>
       <p:sp>
         <p:nvSpPr>
-          <p:cNvPr id="12" name="Rectangle 11">
-            <a:extLst>
-              <a:ext uri="{FF2B5EF4-FFF2-40B4-BE49-F238E27FC236}">
-                <a16:creationId xmlns:a16="http://schemas.microsoft.com/office/drawing/2014/main" id="{0295F874-A8A5-4A14-8CFC-828968DE64C4}"/>
+          <p:cNvPr id="14" name="Rectangle 13">
+            <a:extLst>
+              <a:ext uri="{FF2B5EF4-FFF2-40B4-BE49-F238E27FC236}">
+                <a16:creationId xmlns:a16="http://schemas.microsoft.com/office/drawing/2014/main" id="{0EBF3E39-B0BE-496A-8604-9007470FFA3A}"/>
               </a:ext>
               <a:ext uri="{C183D7F6-B498-43B3-948B-1728B52AA6E4}">
                 <adec:decorative xmlns:adec="http://schemas.microsoft.com/office/drawing/2017/decorative" val="1"/>
@@ -4741,8 +4677,8 @@
         </p:nvSpPr>
         <p:spPr>
           <a:xfrm>
-            <a:off x="-18754" y="0"/>
-            <a:ext cx="4731782" cy="6858000"/>
+            <a:off x="0" y="0"/>
+            <a:ext cx="6096000" cy="6865473"/>
           </a:xfrm>
           <a:prstGeom prst="rect">
             <a:avLst/>
@@ -4787,7 +4723,7 @@
           <p:cNvPr id="2" name="Title 1">
             <a:extLst>
               <a:ext uri="{FF2B5EF4-FFF2-40B4-BE49-F238E27FC236}">
-                <a16:creationId xmlns:a16="http://schemas.microsoft.com/office/drawing/2014/main" id="{C901715B-B88E-4438-AE7B-F9123AE89AC0}"/>
+                <a16:creationId xmlns:a16="http://schemas.microsoft.com/office/drawing/2014/main" id="{C1968E40-6978-49AE-946B-77E6E819F53D}"/>
               </a:ext>
             </a:extLst>
           </p:cNvPr>
@@ -4800,77 +4736,125 @@
         </p:nvSpPr>
         <p:spPr>
           <a:xfrm>
-            <a:off x="884716" y="871442"/>
-            <a:ext cx="2924843" cy="3172364"/>
-          </a:xfrm>
-        </p:spPr>
-        <p:txBody>
-          <a:bodyPr vert="horz" lIns="91440" tIns="45720" rIns="91440" bIns="45720" rtlCol="0" anchor="b">
+            <a:off x="546977" y="332442"/>
+            <a:ext cx="4873055" cy="1474666"/>
+          </a:xfrm>
+        </p:spPr>
+        <p:txBody>
+          <a:bodyPr anchor="b">
             <a:normAutofit/>
           </a:bodyPr>
           <a:lstStyle/>
           <a:p>
             <a:pPr algn="ctr"/>
             <a:r>
-              <a:rPr lang="en-US" sz="2800" kern="1200" dirty="0">
+              <a:rPr lang="en-US" sz="3200" dirty="0">
                 <a:solidFill>
                   <a:srgbClr val="595959"/>
                 </a:solidFill>
-                <a:latin typeface="+mj-lt"/>
-                <a:ea typeface="+mj-ea"/>
-                <a:cs typeface="+mj-cs"/>
               </a:rPr>
-              <a:t>Business Insights:</a:t>
+              <a:t>Let’s try with threshold = 0.5</a:t>
+            </a:r>
+          </a:p>
+        </p:txBody>
+      </p:sp>
+      <p:sp>
+        <p:nvSpPr>
+          <p:cNvPr id="9" name="Content Placeholder 8">
+            <a:extLst>
+              <a:ext uri="{FF2B5EF4-FFF2-40B4-BE49-F238E27FC236}">
+                <a16:creationId xmlns:a16="http://schemas.microsoft.com/office/drawing/2014/main" id="{A9E81F62-0DA5-4618-9259-8F883A103A93}"/>
+              </a:ext>
+            </a:extLst>
+          </p:cNvPr>
+          <p:cNvSpPr>
+            <a:spLocks noGrp="1"/>
+          </p:cNvSpPr>
+          <p:nvPr>
+            <p:ph idx="1"/>
+          </p:nvPr>
+        </p:nvSpPr>
+        <p:spPr>
+          <a:xfrm>
+            <a:off x="871442" y="2447337"/>
+            <a:ext cx="4353116" cy="3770434"/>
+          </a:xfrm>
+        </p:spPr>
+        <p:txBody>
+          <a:bodyPr anchor="t">
+            <a:normAutofit/>
+          </a:bodyPr>
+          <a:lstStyle/>
+          <a:p>
+            <a:r>
+              <a:rPr lang="en-US" sz="2000" b="1" dirty="0">
+                <a:solidFill>
+                  <a:srgbClr val="595959"/>
+                </a:solidFill>
+              </a:rPr>
+              <a:t>Recall: </a:t>
+            </a:r>
+            <a:r>
+              <a:rPr lang="en-US" sz="2000" dirty="0">
+                <a:solidFill>
+                  <a:srgbClr val="595959"/>
+                </a:solidFill>
+              </a:rPr>
+              <a:t>	0.9747</a:t>
             </a:r>
             <a:br>
-              <a:rPr lang="en-US" sz="2800" kern="1200" dirty="0">
+              <a:rPr lang="en-US" sz="2000" dirty="0">
                 <a:solidFill>
                   <a:srgbClr val="595959"/>
                 </a:solidFill>
-                <a:latin typeface="+mj-lt"/>
-                <a:ea typeface="+mj-ea"/>
-                <a:cs typeface="+mj-cs"/>
               </a:rPr>
             </a:br>
-            <a:br>
-              <a:rPr lang="en-US" sz="2800" kern="1200" dirty="0">
+            <a:endParaRPr lang="en-US" sz="2000" dirty="0">
+              <a:solidFill>
+                <a:srgbClr val="595959"/>
+              </a:solidFill>
+            </a:endParaRPr>
+          </a:p>
+          <a:p>
+            <a:r>
+              <a:rPr lang="en-US" sz="2000" b="1" dirty="0">
                 <a:solidFill>
                   <a:srgbClr val="595959"/>
                 </a:solidFill>
-                <a:latin typeface="+mj-lt"/>
-                <a:ea typeface="+mj-ea"/>
-                <a:cs typeface="+mj-cs"/>
               </a:rPr>
-            </a:br>
-            <a:r>
-              <a:rPr lang="en-US" sz="2800" kern="1200" dirty="0">
+              <a:t>Precision: </a:t>
+            </a:r>
+            <a:r>
+              <a:rPr lang="en-US" sz="2000" dirty="0">
                 <a:solidFill>
                   <a:srgbClr val="595959"/>
                 </a:solidFill>
-                <a:latin typeface="+mj-lt"/>
-                <a:ea typeface="+mj-ea"/>
-                <a:cs typeface="+mj-cs"/>
               </a:rPr>
-              <a:t>Feature Importance</a:t>
-            </a:r>
+              <a:t>	0.6234</a:t>
+            </a:r>
+          </a:p>
+          <a:p>
+            <a:endParaRPr lang="en-US" sz="1600" dirty="0">
+              <a:solidFill>
+                <a:srgbClr val="595959"/>
+              </a:solidFill>
+            </a:endParaRPr>
           </a:p>
         </p:txBody>
       </p:sp>
       <p:pic>
         <p:nvPicPr>
-          <p:cNvPr id="5" name="Content Placeholder 4" descr="Chart&#10;&#10;Description automatically generated">
-            <a:extLst>
-              <a:ext uri="{FF2B5EF4-FFF2-40B4-BE49-F238E27FC236}">
-                <a16:creationId xmlns:a16="http://schemas.microsoft.com/office/drawing/2014/main" id="{47532DA9-AF27-47CD-BAE9-2390A625B7A6}"/>
+          <p:cNvPr id="5" name="Content Placeholder 4" descr="Text&#10;&#10;Description automatically generated">
+            <a:extLst>
+              <a:ext uri="{FF2B5EF4-FFF2-40B4-BE49-F238E27FC236}">
+                <a16:creationId xmlns:a16="http://schemas.microsoft.com/office/drawing/2014/main" id="{3CE32F21-F9B7-4DD4-89E2-B1B7308BBB0F}"/>
               </a:ext>
             </a:extLst>
           </p:cNvPr>
           <p:cNvPicPr>
-            <a:picLocks noGrp="1" noChangeAspect="1"/>
+            <a:picLocks noChangeAspect="1"/>
           </p:cNvPicPr>
-          <p:nvPr>
-            <p:ph idx="1"/>
-          </p:nvPr>
+          <p:nvPr/>
         </p:nvPicPr>
         <p:blipFill>
           <a:blip r:embed="rId2"/>
@@ -4880,8 +4864,8 @@
         </p:blipFill>
         <p:spPr>
           <a:xfrm>
-            <a:off x="5410716" y="780094"/>
-            <a:ext cx="6106987" cy="5297810"/>
+            <a:off x="6781801" y="1682871"/>
+            <a:ext cx="4797056" cy="3537828"/>
           </a:xfrm>
           <a:prstGeom prst="rect">
             <a:avLst/>
@@ -4891,7 +4875,7 @@
     </p:spTree>
     <p:extLst>
       <p:ext uri="{BB962C8B-B14F-4D97-AF65-F5344CB8AC3E}">
-        <p14:creationId xmlns:p14="http://schemas.microsoft.com/office/powerpoint/2010/main" val="2156688270"/>
+        <p14:creationId xmlns:p14="http://schemas.microsoft.com/office/powerpoint/2010/main" val="3936162783"/>
       </p:ext>
     </p:extLst>
   </p:cSld>
@@ -4926,12 +4910,12 @@
           <a:chExt cx="0" cy="0"/>
         </a:xfrm>
       </p:grpSpPr>
-      <p:sp>
-        <p:nvSpPr>
-          <p:cNvPr id="26" name="Rectangle 16">
-            <a:extLst>
-              <a:ext uri="{FF2B5EF4-FFF2-40B4-BE49-F238E27FC236}">
-                <a16:creationId xmlns:a16="http://schemas.microsoft.com/office/drawing/2014/main" id="{823AC064-BC96-4F32-8AE1-B2FD38754823}"/>
+      <p:sp useBgFill="1">
+        <p:nvSpPr>
+          <p:cNvPr id="10" name="Rectangle 9">
+            <a:extLst>
+              <a:ext uri="{FF2B5EF4-FFF2-40B4-BE49-F238E27FC236}">
+                <a16:creationId xmlns:a16="http://schemas.microsoft.com/office/drawing/2014/main" id="{C6FC42E6-6C25-4922-95D2-B97B1E123559}"/>
               </a:ext>
               <a:ext uri="{C183D7F6-B498-43B3-948B-1728B52AA6E4}">
                 <adec:decorative xmlns:adec="http://schemas.microsoft.com/office/drawing/2017/decorative" val="1"/>
@@ -4949,22 +4933,33 @@
             </p:extLst>
           </p:nvPr>
         </p:nvSpPr>
-        <p:spPr bwMode="ltGray">
-          <a:xfrm>
-            <a:off x="396882" y="280374"/>
-            <a:ext cx="11438793" cy="1844256"/>
+        <p:spPr>
+          <a:xfrm>
+            <a:off x="0" y="0"/>
+            <a:ext cx="12192000" cy="6858000"/>
           </a:xfrm>
           <a:prstGeom prst="rect">
             <a:avLst/>
           </a:prstGeom>
-          <a:solidFill>
-            <a:srgbClr val="404040"/>
-          </a:solidFill>
-          <a:ln w="127000" cap="sq" cmpd="thinThick">
-            <a:solidFill>
-              <a:srgbClr val="404040"/>
-            </a:solidFill>
+          <a:ln w="12700" cap="flat" cmpd="sng" algn="ctr">
+            <a:noFill/>
+            <a:prstDash val="solid"/>
+            <a:miter lim="800000"/>
           </a:ln>
+          <a:effectLst/>
+          <a:extLst>
+            <a:ext uri="{91240B29-F687-4F45-9708-019B960494DF}">
+              <a14:hiddenLine xmlns:a14="http://schemas.microsoft.com/office/drawing/2010/main" w="12700" cap="flat" cmpd="sng" algn="ctr">
+                <a:solidFill>
+                  <a:schemeClr val="accent1">
+                    <a:shade val="50000"/>
+                  </a:schemeClr>
+                </a:solidFill>
+                <a:prstDash val="solid"/>
+                <a:miter lim="800000"/>
+              </a14:hiddenLine>
+            </a:ext>
+          </a:extLst>
         </p:spPr>
         <p:style>
           <a:lnRef idx="2">
@@ -4993,59 +4988,19 @@
       </p:sp>
       <p:sp>
         <p:nvSpPr>
-          <p:cNvPr id="2" name="Title 1">
-            <a:extLst>
-              <a:ext uri="{FF2B5EF4-FFF2-40B4-BE49-F238E27FC236}">
-                <a16:creationId xmlns:a16="http://schemas.microsoft.com/office/drawing/2014/main" id="{E2127D66-75BD-49DC-B77E-7F39DCE4AF3D}"/>
-              </a:ext>
-            </a:extLst>
-          </p:cNvPr>
-          <p:cNvSpPr>
-            <a:spLocks noGrp="1"/>
-          </p:cNvSpPr>
-          <p:nvPr>
-            <p:ph type="title"/>
-          </p:nvPr>
-        </p:nvSpPr>
-        <p:spPr>
-          <a:xfrm>
-            <a:off x="546351" y="433545"/>
-            <a:ext cx="11139854" cy="930447"/>
-          </a:xfrm>
-        </p:spPr>
-        <p:txBody>
-          <a:bodyPr vert="horz" lIns="91440" tIns="45720" rIns="91440" bIns="45720" rtlCol="0" anchor="b">
-            <a:normAutofit/>
-          </a:bodyPr>
-          <a:lstStyle/>
-          <a:p>
-            <a:pPr algn="ctr"/>
-            <a:r>
-              <a:rPr lang="en-US" sz="5400">
-                <a:solidFill>
-                  <a:srgbClr val="FFFFFF"/>
-                </a:solidFill>
-              </a:rPr>
-              <a:t>Sensitivity Analysis:</a:t>
-            </a:r>
-          </a:p>
-        </p:txBody>
-      </p:sp>
-      <p:cxnSp>
-        <p:nvCxnSpPr>
-          <p:cNvPr id="19" name="Straight Connector 18">
-            <a:extLst>
-              <a:ext uri="{FF2B5EF4-FFF2-40B4-BE49-F238E27FC236}">
-                <a16:creationId xmlns:a16="http://schemas.microsoft.com/office/drawing/2014/main" id="{7E7C77BC-7138-40B1-A15B-20F57A494629}"/>
+          <p:cNvPr id="12" name="Rectangle 11">
+            <a:extLst>
+              <a:ext uri="{FF2B5EF4-FFF2-40B4-BE49-F238E27FC236}">
+                <a16:creationId xmlns:a16="http://schemas.microsoft.com/office/drawing/2014/main" id="{0295F874-A8A5-4A14-8CFC-828968DE64C4}"/>
               </a:ext>
               <a:ext uri="{C183D7F6-B498-43B3-948B-1728B52AA6E4}">
                 <adec:decorative xmlns:adec="http://schemas.microsoft.com/office/drawing/2017/decorative" val="1"/>
               </a:ext>
             </a:extLst>
           </p:cNvPr>
-          <p:cNvCxnSpPr>
-            <a:cxnSpLocks noGrp="1" noRot="1" noChangeAspect="1" noMove="1" noResize="1" noEditPoints="1" noAdjustHandles="1" noChangeArrowheads="1" noChangeShapeType="1"/>
-          </p:cNvCxnSpPr>
+          <p:cNvSpPr>
+            <a:spLocks noGrp="1" noRot="1" noChangeAspect="1" noMove="1" noResize="1" noEditPoints="1" noAdjustHandles="1" noChangeArrowheads="1" noChangeShapeType="1" noTextEdit="1"/>
+          </p:cNvSpPr>
           <p:nvPr>
             <p:extLst>
               <p:ext uri="{386F3935-93C4-4BCD-93E2-E3B085C9AB24}">
@@ -5053,42 +5008,130 @@
               </p:ext>
             </p:extLst>
           </p:nvPr>
-        </p:nvCxnSpPr>
-        <p:spPr>
-          <a:xfrm>
-            <a:off x="2230078" y="1522292"/>
-            <a:ext cx="7772400" cy="0"/>
-          </a:xfrm>
-          <a:prstGeom prst="line">
+        </p:nvSpPr>
+        <p:spPr>
+          <a:xfrm>
+            <a:off x="-18754" y="0"/>
+            <a:ext cx="4731782" cy="6858000"/>
+          </a:xfrm>
+          <a:prstGeom prst="rect">
             <a:avLst/>
           </a:prstGeom>
-          <a:ln w="22225">
-            <a:solidFill>
-              <a:srgbClr val="D9D9D9"/>
-            </a:solidFill>
+          <a:solidFill>
+            <a:schemeClr val="accent2">
+              <a:lumMod val="20000"/>
+              <a:lumOff val="80000"/>
+            </a:schemeClr>
+          </a:solidFill>
+          <a:ln>
+            <a:noFill/>
           </a:ln>
         </p:spPr>
         <p:style>
-          <a:lnRef idx="1">
-            <a:schemeClr val="accent1"/>
+          <a:lnRef idx="2">
+            <a:schemeClr val="accent1">
+              <a:shade val="50000"/>
+            </a:schemeClr>
           </a:lnRef>
-          <a:fillRef idx="0">
+          <a:fillRef idx="1">
             <a:schemeClr val="accent1"/>
           </a:fillRef>
           <a:effectRef idx="0">
             <a:schemeClr val="accent1"/>
           </a:effectRef>
           <a:fontRef idx="minor">
-            <a:schemeClr val="tx1"/>
+            <a:schemeClr val="lt1"/>
           </a:fontRef>
         </p:style>
-      </p:cxnSp>
+        <p:txBody>
+          <a:bodyPr rtlCol="0" anchor="ctr"/>
+          <a:lstStyle/>
+          <a:p>
+            <a:pPr algn="ctr"/>
+            <a:endParaRPr lang="en-US"/>
+          </a:p>
+        </p:txBody>
+      </p:sp>
+      <p:sp>
+        <p:nvSpPr>
+          <p:cNvPr id="2" name="Title 1">
+            <a:extLst>
+              <a:ext uri="{FF2B5EF4-FFF2-40B4-BE49-F238E27FC236}">
+                <a16:creationId xmlns:a16="http://schemas.microsoft.com/office/drawing/2014/main" id="{C901715B-B88E-4438-AE7B-F9123AE89AC0}"/>
+              </a:ext>
+            </a:extLst>
+          </p:cNvPr>
+          <p:cNvSpPr>
+            <a:spLocks noGrp="1"/>
+          </p:cNvSpPr>
+          <p:nvPr>
+            <p:ph type="title"/>
+          </p:nvPr>
+        </p:nvSpPr>
+        <p:spPr>
+          <a:xfrm>
+            <a:off x="884716" y="871442"/>
+            <a:ext cx="2924843" cy="3172364"/>
+          </a:xfrm>
+        </p:spPr>
+        <p:txBody>
+          <a:bodyPr vert="horz" lIns="91440" tIns="45720" rIns="91440" bIns="45720" rtlCol="0" anchor="b">
+            <a:normAutofit/>
+          </a:bodyPr>
+          <a:lstStyle/>
+          <a:p>
+            <a:pPr algn="ctr"/>
+            <a:r>
+              <a:rPr lang="en-US" sz="2800" kern="1200" dirty="0">
+                <a:solidFill>
+                  <a:srgbClr val="595959"/>
+                </a:solidFill>
+                <a:latin typeface="+mj-lt"/>
+                <a:ea typeface="+mj-ea"/>
+                <a:cs typeface="+mj-cs"/>
+              </a:rPr>
+              <a:t>Business Insights:</a:t>
+            </a:r>
+            <a:br>
+              <a:rPr lang="en-US" sz="2800" kern="1200" dirty="0">
+                <a:solidFill>
+                  <a:srgbClr val="595959"/>
+                </a:solidFill>
+                <a:latin typeface="+mj-lt"/>
+                <a:ea typeface="+mj-ea"/>
+                <a:cs typeface="+mj-cs"/>
+              </a:rPr>
+            </a:br>
+            <a:br>
+              <a:rPr lang="en-US" sz="2800" kern="1200" dirty="0">
+                <a:solidFill>
+                  <a:srgbClr val="595959"/>
+                </a:solidFill>
+                <a:latin typeface="+mj-lt"/>
+                <a:ea typeface="+mj-ea"/>
+                <a:cs typeface="+mj-cs"/>
+              </a:rPr>
+            </a:br>
+            <a:r>
+              <a:rPr lang="en-US" sz="2800" kern="1200" dirty="0">
+                <a:solidFill>
+                  <a:srgbClr val="595959"/>
+                </a:solidFill>
+                <a:latin typeface="+mj-lt"/>
+                <a:ea typeface="+mj-ea"/>
+                <a:cs typeface="+mj-cs"/>
+              </a:rPr>
+              <a:t>Feature Importance</a:t>
+            </a:r>
+          </a:p>
+        </p:txBody>
+      </p:sp>
       <p:pic>
         <p:nvPicPr>
           <p:cNvPr id="5" name="Content Placeholder 4" descr="Chart&#10;&#10;Description automatically generated">
             <a:extLst>
               <a:ext uri="{FF2B5EF4-FFF2-40B4-BE49-F238E27FC236}">
-                <a16:creationId xmlns:a16="http://schemas.microsoft.com/office/drawing/2014/main" id="{D1B2CEDA-4794-44C4-AB92-C942AC3E4BCA}"/>
+                <a16:creationId xmlns:a16="http://schemas.microsoft.com/office/drawing/2014/main" id="{47532DA9-AF27-47CD-BAE9-2390A625B7A6}"/>
               </a:ext>
             </a:extLst>
           </p:cNvPr>
@@ -5107,90 +5150,8 @@
         </p:blipFill>
         <p:spPr>
           <a:xfrm>
-            <a:off x="755412" y="2426818"/>
-            <a:ext cx="4608227" cy="3997637"/>
-          </a:xfrm>
-          <a:prstGeom prst="rect">
-            <a:avLst/>
-          </a:prstGeom>
-        </p:spPr>
-      </p:pic>
-      <p:cxnSp>
-        <p:nvCxnSpPr>
-          <p:cNvPr id="21" name="Straight Connector 20">
-            <a:extLst>
-              <a:ext uri="{FF2B5EF4-FFF2-40B4-BE49-F238E27FC236}">
-                <a16:creationId xmlns:a16="http://schemas.microsoft.com/office/drawing/2014/main" id="{DB146403-F3D6-484B-B2ED-97F9565D0370}"/>
-              </a:ext>
-              <a:ext uri="{C183D7F6-B498-43B3-948B-1728B52AA6E4}">
-                <adec:decorative xmlns:adec="http://schemas.microsoft.com/office/drawing/2017/decorative" val="1"/>
-              </a:ext>
-            </a:extLst>
-          </p:cNvPr>
-          <p:cNvCxnSpPr>
-            <a:cxnSpLocks noGrp="1" noRot="1" noChangeAspect="1" noMove="1" noResize="1" noEditPoints="1" noAdjustHandles="1" noChangeArrowheads="1" noChangeShapeType="1"/>
-          </p:cNvCxnSpPr>
-          <p:nvPr>
-            <p:extLst>
-              <p:ext uri="{386F3935-93C4-4BCD-93E2-E3B085C9AB24}">
-                <p16:designElem xmlns:p16="http://schemas.microsoft.com/office/powerpoint/2015/main" val="1"/>
-              </p:ext>
-            </p:extLst>
-          </p:nvPr>
-        </p:nvCxnSpPr>
-        <p:spPr>
-          <a:xfrm>
-            <a:off x="6116278" y="2596836"/>
-            <a:ext cx="0" cy="3657600"/>
-          </a:xfrm>
-          <a:prstGeom prst="line">
-            <a:avLst/>
-          </a:prstGeom>
-          <a:ln w="101600" cmpd="dbl">
-            <a:solidFill>
-              <a:srgbClr val="595959"/>
-            </a:solidFill>
-          </a:ln>
-        </p:spPr>
-        <p:style>
-          <a:lnRef idx="1">
-            <a:schemeClr val="accent1"/>
-          </a:lnRef>
-          <a:fillRef idx="0">
-            <a:schemeClr val="accent1"/>
-          </a:fillRef>
-          <a:effectRef idx="0">
-            <a:schemeClr val="accent1"/>
-          </a:effectRef>
-          <a:fontRef idx="minor">
-            <a:schemeClr val="tx1"/>
-          </a:fontRef>
-        </p:style>
-      </p:cxnSp>
-      <p:pic>
-        <p:nvPicPr>
-          <p:cNvPr id="7" name="Picture 6" descr="Chart, line chart&#10;&#10;Description automatically generated">
-            <a:extLst>
-              <a:ext uri="{FF2B5EF4-FFF2-40B4-BE49-F238E27FC236}">
-                <a16:creationId xmlns:a16="http://schemas.microsoft.com/office/drawing/2014/main" id="{2199C3FB-E8A5-4B14-961C-9E89BD0F420C}"/>
-              </a:ext>
-            </a:extLst>
-          </p:cNvPr>
-          <p:cNvPicPr>
-            <a:picLocks noChangeAspect="1"/>
-          </p:cNvPicPr>
-          <p:nvPr/>
-        </p:nvPicPr>
-        <p:blipFill>
-          <a:blip r:embed="rId3"/>
-          <a:stretch>
-            <a:fillRect/>
-          </a:stretch>
-        </p:blipFill>
-        <p:spPr>
-          <a:xfrm>
-            <a:off x="6868918" y="2426818"/>
-            <a:ext cx="4608227" cy="3997637"/>
+            <a:off x="5410716" y="780094"/>
+            <a:ext cx="6106987" cy="5297810"/>
           </a:xfrm>
           <a:prstGeom prst="rect">
             <a:avLst/>
@@ -5200,7 +5161,7 @@
     </p:spTree>
     <p:extLst>
       <p:ext uri="{BB962C8B-B14F-4D97-AF65-F5344CB8AC3E}">
-        <p14:creationId xmlns:p14="http://schemas.microsoft.com/office/powerpoint/2010/main" val="595165198"/>
+        <p14:creationId xmlns:p14="http://schemas.microsoft.com/office/powerpoint/2010/main" val="2156688270"/>
       </p:ext>
     </p:extLst>
   </p:cSld>
@@ -5237,6 +5198,315 @@
       </p:grpSpPr>
       <p:sp>
         <p:nvSpPr>
+          <p:cNvPr id="26" name="Rectangle 16">
+            <a:extLst>
+              <a:ext uri="{FF2B5EF4-FFF2-40B4-BE49-F238E27FC236}">
+                <a16:creationId xmlns:a16="http://schemas.microsoft.com/office/drawing/2014/main" id="{823AC064-BC96-4F32-8AE1-B2FD38754823}"/>
+              </a:ext>
+              <a:ext uri="{C183D7F6-B498-43B3-948B-1728B52AA6E4}">
+                <adec:decorative xmlns:adec="http://schemas.microsoft.com/office/drawing/2017/decorative" val="1"/>
+              </a:ext>
+            </a:extLst>
+          </p:cNvPr>
+          <p:cNvSpPr>
+            <a:spLocks noGrp="1" noRot="1" noChangeAspect="1" noMove="1" noResize="1" noEditPoints="1" noAdjustHandles="1" noChangeArrowheads="1" noChangeShapeType="1" noTextEdit="1"/>
+          </p:cNvSpPr>
+          <p:nvPr>
+            <p:extLst>
+              <p:ext uri="{386F3935-93C4-4BCD-93E2-E3B085C9AB24}">
+                <p16:designElem xmlns:p16="http://schemas.microsoft.com/office/powerpoint/2015/main" val="1"/>
+              </p:ext>
+            </p:extLst>
+          </p:nvPr>
+        </p:nvSpPr>
+        <p:spPr bwMode="ltGray">
+          <a:xfrm>
+            <a:off x="396882" y="280374"/>
+            <a:ext cx="11438793" cy="1844256"/>
+          </a:xfrm>
+          <a:prstGeom prst="rect">
+            <a:avLst/>
+          </a:prstGeom>
+          <a:solidFill>
+            <a:srgbClr val="404040"/>
+          </a:solidFill>
+          <a:ln w="127000" cap="sq" cmpd="thinThick">
+            <a:solidFill>
+              <a:srgbClr val="404040"/>
+            </a:solidFill>
+          </a:ln>
+        </p:spPr>
+        <p:style>
+          <a:lnRef idx="2">
+            <a:schemeClr val="accent1">
+              <a:shade val="50000"/>
+            </a:schemeClr>
+          </a:lnRef>
+          <a:fillRef idx="1">
+            <a:schemeClr val="accent1"/>
+          </a:fillRef>
+          <a:effectRef idx="0">
+            <a:schemeClr val="accent1"/>
+          </a:effectRef>
+          <a:fontRef idx="minor">
+            <a:schemeClr val="lt1"/>
+          </a:fontRef>
+        </p:style>
+        <p:txBody>
+          <a:bodyPr rtlCol="0" anchor="ctr"/>
+          <a:lstStyle/>
+          <a:p>
+            <a:pPr algn="ctr"/>
+            <a:endParaRPr lang="en-US"/>
+          </a:p>
+        </p:txBody>
+      </p:sp>
+      <p:sp>
+        <p:nvSpPr>
+          <p:cNvPr id="2" name="Title 1">
+            <a:extLst>
+              <a:ext uri="{FF2B5EF4-FFF2-40B4-BE49-F238E27FC236}">
+                <a16:creationId xmlns:a16="http://schemas.microsoft.com/office/drawing/2014/main" id="{E2127D66-75BD-49DC-B77E-7F39DCE4AF3D}"/>
+              </a:ext>
+            </a:extLst>
+          </p:cNvPr>
+          <p:cNvSpPr>
+            <a:spLocks noGrp="1"/>
+          </p:cNvSpPr>
+          <p:nvPr>
+            <p:ph type="title"/>
+          </p:nvPr>
+        </p:nvSpPr>
+        <p:spPr>
+          <a:xfrm>
+            <a:off x="546351" y="433545"/>
+            <a:ext cx="11139854" cy="930447"/>
+          </a:xfrm>
+        </p:spPr>
+        <p:txBody>
+          <a:bodyPr vert="horz" lIns="91440" tIns="45720" rIns="91440" bIns="45720" rtlCol="0" anchor="b">
+            <a:normAutofit/>
+          </a:bodyPr>
+          <a:lstStyle/>
+          <a:p>
+            <a:pPr algn="ctr"/>
+            <a:r>
+              <a:rPr lang="en-US" sz="5400">
+                <a:solidFill>
+                  <a:srgbClr val="FFFFFF"/>
+                </a:solidFill>
+              </a:rPr>
+              <a:t>Sensitivity Analysis:</a:t>
+            </a:r>
+          </a:p>
+        </p:txBody>
+      </p:sp>
+      <p:cxnSp>
+        <p:nvCxnSpPr>
+          <p:cNvPr id="19" name="Straight Connector 18">
+            <a:extLst>
+              <a:ext uri="{FF2B5EF4-FFF2-40B4-BE49-F238E27FC236}">
+                <a16:creationId xmlns:a16="http://schemas.microsoft.com/office/drawing/2014/main" id="{7E7C77BC-7138-40B1-A15B-20F57A494629}"/>
+              </a:ext>
+              <a:ext uri="{C183D7F6-B498-43B3-948B-1728B52AA6E4}">
+                <adec:decorative xmlns:adec="http://schemas.microsoft.com/office/drawing/2017/decorative" val="1"/>
+              </a:ext>
+            </a:extLst>
+          </p:cNvPr>
+          <p:cNvCxnSpPr>
+            <a:cxnSpLocks noGrp="1" noRot="1" noChangeAspect="1" noMove="1" noResize="1" noEditPoints="1" noAdjustHandles="1" noChangeArrowheads="1" noChangeShapeType="1"/>
+          </p:cNvCxnSpPr>
+          <p:nvPr>
+            <p:extLst>
+              <p:ext uri="{386F3935-93C4-4BCD-93E2-E3B085C9AB24}">
+                <p16:designElem xmlns:p16="http://schemas.microsoft.com/office/powerpoint/2015/main" val="1"/>
+              </p:ext>
+            </p:extLst>
+          </p:nvPr>
+        </p:nvCxnSpPr>
+        <p:spPr>
+          <a:xfrm>
+            <a:off x="2230078" y="1522292"/>
+            <a:ext cx="7772400" cy="0"/>
+          </a:xfrm>
+          <a:prstGeom prst="line">
+            <a:avLst/>
+          </a:prstGeom>
+          <a:ln w="22225">
+            <a:solidFill>
+              <a:srgbClr val="D9D9D9"/>
+            </a:solidFill>
+          </a:ln>
+        </p:spPr>
+        <p:style>
+          <a:lnRef idx="1">
+            <a:schemeClr val="accent1"/>
+          </a:lnRef>
+          <a:fillRef idx="0">
+            <a:schemeClr val="accent1"/>
+          </a:fillRef>
+          <a:effectRef idx="0">
+            <a:schemeClr val="accent1"/>
+          </a:effectRef>
+          <a:fontRef idx="minor">
+            <a:schemeClr val="tx1"/>
+          </a:fontRef>
+        </p:style>
+      </p:cxnSp>
+      <p:pic>
+        <p:nvPicPr>
+          <p:cNvPr id="5" name="Content Placeholder 4" descr="Chart&#10;&#10;Description automatically generated">
+            <a:extLst>
+              <a:ext uri="{FF2B5EF4-FFF2-40B4-BE49-F238E27FC236}">
+                <a16:creationId xmlns:a16="http://schemas.microsoft.com/office/drawing/2014/main" id="{D1B2CEDA-4794-44C4-AB92-C942AC3E4BCA}"/>
+              </a:ext>
+            </a:extLst>
+          </p:cNvPr>
+          <p:cNvPicPr>
+            <a:picLocks noGrp="1" noChangeAspect="1"/>
+          </p:cNvPicPr>
+          <p:nvPr>
+            <p:ph idx="1"/>
+          </p:nvPr>
+        </p:nvPicPr>
+        <p:blipFill>
+          <a:blip r:embed="rId2"/>
+          <a:stretch>
+            <a:fillRect/>
+          </a:stretch>
+        </p:blipFill>
+        <p:spPr>
+          <a:xfrm>
+            <a:off x="755412" y="2426818"/>
+            <a:ext cx="4608227" cy="3997637"/>
+          </a:xfrm>
+          <a:prstGeom prst="rect">
+            <a:avLst/>
+          </a:prstGeom>
+        </p:spPr>
+      </p:pic>
+      <p:cxnSp>
+        <p:nvCxnSpPr>
+          <p:cNvPr id="21" name="Straight Connector 20">
+            <a:extLst>
+              <a:ext uri="{FF2B5EF4-FFF2-40B4-BE49-F238E27FC236}">
+                <a16:creationId xmlns:a16="http://schemas.microsoft.com/office/drawing/2014/main" id="{DB146403-F3D6-484B-B2ED-97F9565D0370}"/>
+              </a:ext>
+              <a:ext uri="{C183D7F6-B498-43B3-948B-1728B52AA6E4}">
+                <adec:decorative xmlns:adec="http://schemas.microsoft.com/office/drawing/2017/decorative" val="1"/>
+              </a:ext>
+            </a:extLst>
+          </p:cNvPr>
+          <p:cNvCxnSpPr>
+            <a:cxnSpLocks noGrp="1" noRot="1" noChangeAspect="1" noMove="1" noResize="1" noEditPoints="1" noAdjustHandles="1" noChangeArrowheads="1" noChangeShapeType="1"/>
+          </p:cNvCxnSpPr>
+          <p:nvPr>
+            <p:extLst>
+              <p:ext uri="{386F3935-93C4-4BCD-93E2-E3B085C9AB24}">
+                <p16:designElem xmlns:p16="http://schemas.microsoft.com/office/powerpoint/2015/main" val="1"/>
+              </p:ext>
+            </p:extLst>
+          </p:nvPr>
+        </p:nvCxnSpPr>
+        <p:spPr>
+          <a:xfrm>
+            <a:off x="6116278" y="2596836"/>
+            <a:ext cx="0" cy="3657600"/>
+          </a:xfrm>
+          <a:prstGeom prst="line">
+            <a:avLst/>
+          </a:prstGeom>
+          <a:ln w="101600" cmpd="dbl">
+            <a:solidFill>
+              <a:srgbClr val="595959"/>
+            </a:solidFill>
+          </a:ln>
+        </p:spPr>
+        <p:style>
+          <a:lnRef idx="1">
+            <a:schemeClr val="accent1"/>
+          </a:lnRef>
+          <a:fillRef idx="0">
+            <a:schemeClr val="accent1"/>
+          </a:fillRef>
+          <a:effectRef idx="0">
+            <a:schemeClr val="accent1"/>
+          </a:effectRef>
+          <a:fontRef idx="minor">
+            <a:schemeClr val="tx1"/>
+          </a:fontRef>
+        </p:style>
+      </p:cxnSp>
+      <p:pic>
+        <p:nvPicPr>
+          <p:cNvPr id="7" name="Picture 6" descr="Chart, line chart&#10;&#10;Description automatically generated">
+            <a:extLst>
+              <a:ext uri="{FF2B5EF4-FFF2-40B4-BE49-F238E27FC236}">
+                <a16:creationId xmlns:a16="http://schemas.microsoft.com/office/drawing/2014/main" id="{2199C3FB-E8A5-4B14-961C-9E89BD0F420C}"/>
+              </a:ext>
+            </a:extLst>
+          </p:cNvPr>
+          <p:cNvPicPr>
+            <a:picLocks noChangeAspect="1"/>
+          </p:cNvPicPr>
+          <p:nvPr/>
+        </p:nvPicPr>
+        <p:blipFill>
+          <a:blip r:embed="rId3"/>
+          <a:stretch>
+            <a:fillRect/>
+          </a:stretch>
+        </p:blipFill>
+        <p:spPr>
+          <a:xfrm>
+            <a:off x="6868918" y="2426818"/>
+            <a:ext cx="4608227" cy="3997637"/>
+          </a:xfrm>
+          <a:prstGeom prst="rect">
+            <a:avLst/>
+          </a:prstGeom>
+        </p:spPr>
+      </p:pic>
+    </p:spTree>
+    <p:extLst>
+      <p:ext uri="{BB962C8B-B14F-4D97-AF65-F5344CB8AC3E}">
+        <p14:creationId xmlns:p14="http://schemas.microsoft.com/office/powerpoint/2010/main" val="595165198"/>
+      </p:ext>
+    </p:extLst>
+  </p:cSld>
+  <p:clrMapOvr>
+    <a:masterClrMapping/>
+  </p:clrMapOvr>
+</p:sld>
+</file>
+
+<file path=ppt/slides/slide17.xml><?xml version="1.0" encoding="utf-8"?>
+<p:sld xmlns:a="http://schemas.openxmlformats.org/drawingml/2006/main" xmlns:r="http://schemas.openxmlformats.org/officeDocument/2006/relationships" xmlns:p="http://schemas.openxmlformats.org/presentationml/2006/main">
+  <p:cSld>
+    <p:bg>
+      <p:bgPr>
+        <a:solidFill>
+          <a:schemeClr val="bg1"/>
+        </a:solidFill>
+        <a:effectLst/>
+      </p:bgPr>
+    </p:bg>
+    <p:spTree>
+      <p:nvGrpSpPr>
+        <p:cNvPr id="1" name=""/>
+        <p:cNvGrpSpPr/>
+        <p:nvPr/>
+      </p:nvGrpSpPr>
+      <p:grpSpPr>
+        <a:xfrm>
+          <a:off x="0" y="0"/>
+          <a:ext cx="0" cy="0"/>
+          <a:chOff x="0" y="0"/>
+          <a:chExt cx="0" cy="0"/>
+        </a:xfrm>
+      </p:grpSpPr>
+      <p:sp>
+        <p:nvSpPr>
           <p:cNvPr id="14" name="Down Arrow 7">
             <a:extLst>
               <a:ext uri="{FF2B5EF4-FFF2-40B4-BE49-F238E27FC236}">
@@ -5471,7 +5741,7 @@
 </p:sld>
 </file>
 
-<file path=ppt/slides/slide17.xml><?xml version="1.0" encoding="utf-8"?>
+<file path=ppt/slides/slide18.xml><?xml version="1.0" encoding="utf-8"?>
 <p:sld xmlns:a="http://schemas.openxmlformats.org/drawingml/2006/main" xmlns:r="http://schemas.openxmlformats.org/officeDocument/2006/relationships" xmlns:p="http://schemas.openxmlformats.org/presentationml/2006/main">
   <p:cSld>
     <p:bg>
@@ -6199,7 +6469,7 @@
           <p:cNvPr id="8" name="Rectangle 7">
             <a:extLst>
               <a:ext uri="{FF2B5EF4-FFF2-40B4-BE49-F238E27FC236}">
-                <a16:creationId xmlns:a16="http://schemas.microsoft.com/office/drawing/2014/main" id="{91A1FA41-E1D1-43CF-8B3B-5E6140890832}"/>
+                <a16:creationId xmlns:a16="http://schemas.microsoft.com/office/drawing/2014/main" id="{27FCFAB8-9E9C-414D-9FCB-CECED12D584F}"/>
               </a:ext>
               <a:ext uri="{C183D7F6-B498-43B3-948B-1728B52AA6E4}">
                 <adec:decorative xmlns:adec="http://schemas.microsoft.com/office/drawing/2017/decorative" val="1"/>
@@ -6275,7 +6545,7 @@
           <p:cNvPr id="10" name="Rectangle 9">
             <a:extLst>
               <a:ext uri="{FF2B5EF4-FFF2-40B4-BE49-F238E27FC236}">
-                <a16:creationId xmlns:a16="http://schemas.microsoft.com/office/drawing/2014/main" id="{FCC2D84B-6969-4F00-BEBA-81C2EBCD3299}"/>
+                <a16:creationId xmlns:a16="http://schemas.microsoft.com/office/drawing/2014/main" id="{76C16827-9A48-4468-BE81-11EC18E0AE54}"/>
               </a:ext>
               <a:ext uri="{C183D7F6-B498-43B3-948B-1728B52AA6E4}">
                 <adec:decorative xmlns:adec="http://schemas.microsoft.com/office/drawing/2017/decorative" val="1"/>
@@ -6295,8 +6565,8 @@
         </p:nvSpPr>
         <p:spPr>
           <a:xfrm>
-            <a:off x="1" y="0"/>
-            <a:ext cx="6095999" cy="6858000"/>
+            <a:off x="685800" y="685799"/>
+            <a:ext cx="5410200" cy="5486400"/>
           </a:xfrm>
           <a:prstGeom prst="rect">
             <a:avLst/>
@@ -6338,10 +6608,50 @@
       </p:sp>
       <p:sp>
         <p:nvSpPr>
+          <p:cNvPr id="2" name="Title 1">
+            <a:extLst>
+              <a:ext uri="{FF2B5EF4-FFF2-40B4-BE49-F238E27FC236}">
+                <a16:creationId xmlns:a16="http://schemas.microsoft.com/office/drawing/2014/main" id="{A4DB1C71-B07F-4FE6-8794-AFD00ABFC97B}"/>
+              </a:ext>
+            </a:extLst>
+          </p:cNvPr>
+          <p:cNvSpPr>
+            <a:spLocks noGrp="1"/>
+          </p:cNvSpPr>
+          <p:nvPr>
+            <p:ph type="title"/>
+          </p:nvPr>
+        </p:nvSpPr>
+        <p:spPr>
+          <a:xfrm>
+            <a:off x="1632439" y="1335183"/>
+            <a:ext cx="3516922" cy="4150899"/>
+          </a:xfrm>
+        </p:spPr>
+        <p:txBody>
+          <a:bodyPr>
+            <a:normAutofit/>
+          </a:bodyPr>
+          <a:lstStyle/>
+          <a:p>
+            <a:pPr algn="ctr"/>
+            <a:r>
+              <a:rPr lang="en-US" sz="3200" dirty="0">
+                <a:solidFill>
+                  <a:srgbClr val="595959"/>
+                </a:solidFill>
+              </a:rPr>
+              <a:t>Agenda</a:t>
+            </a:r>
+          </a:p>
+        </p:txBody>
+      </p:sp>
+      <p:sp>
+        <p:nvSpPr>
           <p:cNvPr id="12" name="Rectangle 11">
             <a:extLst>
               <a:ext uri="{FF2B5EF4-FFF2-40B4-BE49-F238E27FC236}">
-                <a16:creationId xmlns:a16="http://schemas.microsoft.com/office/drawing/2014/main" id="{B0D282BE-4461-4794-89A5-394723CDF2F3}"/>
+                <a16:creationId xmlns:a16="http://schemas.microsoft.com/office/drawing/2014/main" id="{899956BA-5C38-49F9-88D6-BD6C71E9C767}"/>
               </a:ext>
               <a:ext uri="{C183D7F6-B498-43B3-948B-1728B52AA6E4}">
                 <adec:decorative xmlns:adec="http://schemas.microsoft.com/office/drawing/2017/decorative" val="1"/>
@@ -6361,14 +6671,18 @@
         </p:nvSpPr>
         <p:spPr>
           <a:xfrm>
-            <a:off x="1371600" y="1371601"/>
-            <a:ext cx="3354572" cy="4114799"/>
+            <a:off x="6096000" y="685799"/>
+            <a:ext cx="5410200" cy="5486401"/>
           </a:xfrm>
           <a:prstGeom prst="rect">
             <a:avLst/>
           </a:prstGeom>
           <a:solidFill>
-            <a:schemeClr val="bg1"/>
+            <a:schemeClr val="accent2">
+              <a:lumMod val="20000"/>
+              <a:lumOff val="80000"/>
+              <a:alpha val="55000"/>
+            </a:schemeClr>
           </a:solidFill>
           <a:ln>
             <a:noFill/>
@@ -6401,10 +6715,10 @@
       </p:sp>
       <p:sp>
         <p:nvSpPr>
-          <p:cNvPr id="2" name="Title 1">
-            <a:extLst>
-              <a:ext uri="{FF2B5EF4-FFF2-40B4-BE49-F238E27FC236}">
-                <a16:creationId xmlns:a16="http://schemas.microsoft.com/office/drawing/2014/main" id="{352DA3D3-3A5C-4158-B834-80EFDBB2BBFC}"/>
+          <p:cNvPr id="3" name="Content Placeholder 2">
+            <a:extLst>
+              <a:ext uri="{FF2B5EF4-FFF2-40B4-BE49-F238E27FC236}">
+                <a16:creationId xmlns:a16="http://schemas.microsoft.com/office/drawing/2014/main" id="{DAA768CE-7296-4DB4-9F21-D1E767A93D86}"/>
               </a:ext>
             </a:extLst>
           </p:cNvPr>
@@ -6412,24 +6726,23 @@
             <a:spLocks noGrp="1"/>
           </p:cNvSpPr>
           <p:nvPr>
-            <p:ph type="title"/>
-          </p:nvPr>
-        </p:nvSpPr>
-        <p:spPr>
-          <a:xfrm>
-            <a:off x="1798115" y="1808855"/>
-            <a:ext cx="2552956" cy="3240290"/>
-          </a:xfrm>
-        </p:spPr>
-        <p:txBody>
-          <a:bodyPr>
+            <p:ph idx="1"/>
+          </p:nvPr>
+        </p:nvSpPr>
+        <p:spPr>
+          <a:xfrm>
+            <a:off x="6746001" y="1335183"/>
+            <a:ext cx="4110198" cy="4187633"/>
+          </a:xfrm>
+        </p:spPr>
+        <p:txBody>
+          <a:bodyPr anchor="ctr">
             <a:normAutofit/>
           </a:bodyPr>
           <a:lstStyle/>
           <a:p>
-            <a:pPr algn="ctr"/>
-            <a:r>
-              <a:rPr lang="en-US" sz="2400" dirty="0">
+            <a:r>
+              <a:rPr lang="en-US" sz="2000">
                 <a:solidFill>
                   <a:schemeClr val="tx1">
                     <a:lumMod val="65000"/>
@@ -6437,41 +6750,12 @@
                   </a:schemeClr>
                 </a:solidFill>
               </a:rPr>
-              <a:t>Data Variables</a:t>
-            </a:r>
-          </a:p>
-        </p:txBody>
-      </p:sp>
-      <p:sp>
-        <p:nvSpPr>
-          <p:cNvPr id="3" name="Content Placeholder 2">
-            <a:extLst>
-              <a:ext uri="{FF2B5EF4-FFF2-40B4-BE49-F238E27FC236}">
-                <a16:creationId xmlns:a16="http://schemas.microsoft.com/office/drawing/2014/main" id="{2ABBE1BD-2BA6-4286-A9D5-B1A90B7D36FC}"/>
-              </a:ext>
-            </a:extLst>
-          </p:cNvPr>
-          <p:cNvSpPr>
-            <a:spLocks noGrp="1"/>
-          </p:cNvSpPr>
-          <p:nvPr>
-            <p:ph idx="1"/>
-          </p:nvPr>
-        </p:nvSpPr>
-        <p:spPr>
-          <a:xfrm>
-            <a:off x="6958856" y="871442"/>
-            <a:ext cx="4363748" cy="5115116"/>
-          </a:xfrm>
-        </p:spPr>
-        <p:txBody>
-          <a:bodyPr anchor="ctr">
-            <a:normAutofit/>
-          </a:bodyPr>
-          <a:lstStyle/>
-          <a:p>
-            <a:r>
-              <a:rPr lang="en-US" sz="2000" dirty="0">
+              <a:t>Data Variables Explanation</a:t>
+            </a:r>
+          </a:p>
+          <a:p>
+            <a:r>
+              <a:rPr lang="en-US" sz="2000">
                 <a:solidFill>
                   <a:schemeClr val="tx1">
                     <a:lumMod val="65000"/>
@@ -6479,10 +6763,12 @@
                   </a:schemeClr>
                 </a:solidFill>
               </a:rPr>
-              <a:t>Client Information:</a:t>
-            </a:r>
-            <a:br>
-              <a:rPr lang="en-US" sz="2000" dirty="0">
+              <a:t>Data Cleaning</a:t>
+            </a:r>
+          </a:p>
+          <a:p>
+            <a:r>
+              <a:rPr lang="en-US" sz="2000">
                 <a:solidFill>
                   <a:schemeClr val="tx1">
                     <a:lumMod val="65000"/>
@@ -6490,8 +6776,63 @@
                   </a:schemeClr>
                 </a:solidFill>
               </a:rPr>
-            </a:br>
-            <a:endParaRPr lang="en-US" sz="2000" dirty="0">
+              <a:t>AUPRC Introduction</a:t>
+            </a:r>
+          </a:p>
+          <a:p>
+            <a:r>
+              <a:rPr lang="en-US" sz="2000">
+                <a:solidFill>
+                  <a:schemeClr val="tx1">
+                    <a:lumMod val="65000"/>
+                    <a:lumOff val="35000"/>
+                  </a:schemeClr>
+                </a:solidFill>
+              </a:rPr>
+              <a:t>Current Model Evaluation</a:t>
+            </a:r>
+          </a:p>
+          <a:p>
+            <a:r>
+              <a:rPr lang="en-US" sz="2000">
+                <a:solidFill>
+                  <a:schemeClr val="tx1">
+                    <a:lumMod val="65000"/>
+                    <a:lumOff val="35000"/>
+                  </a:schemeClr>
+                </a:solidFill>
+              </a:rPr>
+              <a:t>Benchmark for New Model</a:t>
+            </a:r>
+          </a:p>
+          <a:p>
+            <a:r>
+              <a:rPr lang="en-US" sz="2000">
+                <a:solidFill>
+                  <a:schemeClr val="tx1">
+                    <a:lumMod val="65000"/>
+                    <a:lumOff val="35000"/>
+                  </a:schemeClr>
+                </a:solidFill>
+              </a:rPr>
+              <a:t>New Model: Random Forest</a:t>
+            </a:r>
+          </a:p>
+          <a:p>
+            <a:r>
+              <a:rPr lang="en-US" sz="2000">
+                <a:solidFill>
+                  <a:schemeClr val="tx1">
+                    <a:lumMod val="65000"/>
+                    <a:lumOff val="35000"/>
+                  </a:schemeClr>
+                </a:solidFill>
+              </a:rPr>
+              <a:t>Business Insights</a:t>
+            </a:r>
+          </a:p>
+          <a:p>
+            <a:endParaRPr lang="en-US" sz="2000">
               <a:solidFill>
                 <a:schemeClr val="tx1">
                   <a:lumMod val="65000"/>
@@ -6501,130 +6842,31 @@
             </a:endParaRPr>
           </a:p>
           <a:p>
-            <a:pPr marL="914400" lvl="1" indent="-457200">
-              <a:buFont typeface="+mj-lt"/>
-              <a:buAutoNum type="arabicPeriod"/>
-            </a:pPr>
-            <a:r>
-              <a:rPr lang="en-US" sz="2000" dirty="0">
-                <a:solidFill>
-                  <a:schemeClr val="tx1">
-                    <a:lumMod val="65000"/>
-                    <a:lumOff val="35000"/>
-                  </a:schemeClr>
-                </a:solidFill>
-              </a:rPr>
-              <a:t>Age</a:t>
-            </a:r>
-          </a:p>
-          <a:p>
-            <a:pPr marL="914400" lvl="1" indent="-457200">
-              <a:buFont typeface="+mj-lt"/>
-              <a:buAutoNum type="arabicPeriod"/>
-            </a:pPr>
-            <a:r>
-              <a:rPr lang="en-US" sz="2000" dirty="0">
-                <a:solidFill>
-                  <a:schemeClr val="tx1">
-                    <a:lumMod val="65000"/>
-                    <a:lumOff val="35000"/>
-                  </a:schemeClr>
-                </a:solidFill>
-              </a:rPr>
-              <a:t>Job</a:t>
-            </a:r>
-          </a:p>
-          <a:p>
-            <a:pPr marL="914400" lvl="1" indent="-457200">
-              <a:buFont typeface="+mj-lt"/>
-              <a:buAutoNum type="arabicPeriod"/>
-            </a:pPr>
-            <a:r>
-              <a:rPr lang="en-US" sz="2000" dirty="0">
-                <a:solidFill>
-                  <a:schemeClr val="tx1">
-                    <a:lumMod val="65000"/>
-                    <a:lumOff val="35000"/>
-                  </a:schemeClr>
-                </a:solidFill>
-              </a:rPr>
-              <a:t>Marital Status</a:t>
-            </a:r>
-          </a:p>
-          <a:p>
-            <a:pPr marL="914400" lvl="1" indent="-457200">
-              <a:buFont typeface="+mj-lt"/>
-              <a:buAutoNum type="arabicPeriod"/>
-            </a:pPr>
-            <a:r>
-              <a:rPr lang="en-US" sz="2000" dirty="0">
-                <a:solidFill>
-                  <a:schemeClr val="tx1">
-                    <a:lumMod val="65000"/>
-                    <a:lumOff val="35000"/>
-                  </a:schemeClr>
-                </a:solidFill>
-              </a:rPr>
-              <a:t>Education</a:t>
-            </a:r>
-          </a:p>
-          <a:p>
-            <a:pPr marL="914400" lvl="1" indent="-457200">
-              <a:buFont typeface="+mj-lt"/>
-              <a:buAutoNum type="arabicPeriod"/>
-            </a:pPr>
-            <a:r>
-              <a:rPr lang="en-US" sz="2000" dirty="0">
-                <a:solidFill>
-                  <a:schemeClr val="tx1">
-                    <a:lumMod val="65000"/>
-                    <a:lumOff val="35000"/>
-                  </a:schemeClr>
-                </a:solidFill>
-              </a:rPr>
-              <a:t>Has Credit in Default?</a:t>
-            </a:r>
-          </a:p>
-          <a:p>
-            <a:pPr marL="914400" lvl="1" indent="-457200">
-              <a:buFont typeface="+mj-lt"/>
-              <a:buAutoNum type="arabicPeriod"/>
-            </a:pPr>
-            <a:r>
-              <a:rPr lang="en-US" sz="2000" dirty="0">
-                <a:solidFill>
-                  <a:schemeClr val="tx1">
-                    <a:lumMod val="65000"/>
-                    <a:lumOff val="35000"/>
-                  </a:schemeClr>
-                </a:solidFill>
-              </a:rPr>
-              <a:t>Has Housing Loan?</a:t>
-            </a:r>
-          </a:p>
-          <a:p>
-            <a:pPr marL="914400" lvl="1" indent="-457200">
-              <a:buFont typeface="+mj-lt"/>
-              <a:buAutoNum type="arabicPeriod"/>
-            </a:pPr>
-            <a:r>
-              <a:rPr lang="en-US" sz="2000" dirty="0">
-                <a:solidFill>
-                  <a:schemeClr val="tx1">
-                    <a:lumMod val="65000"/>
-                    <a:lumOff val="35000"/>
-                  </a:schemeClr>
-                </a:solidFill>
-              </a:rPr>
-              <a:t>Has Personal Loan?</a:t>
-            </a:r>
+            <a:endParaRPr lang="en-US" sz="2000">
+              <a:solidFill>
+                <a:schemeClr val="tx1">
+                  <a:lumMod val="65000"/>
+                  <a:lumOff val="35000"/>
+                </a:schemeClr>
+              </a:solidFill>
+            </a:endParaRPr>
+          </a:p>
+          <a:p>
+            <a:endParaRPr lang="en-US" sz="2000">
+              <a:solidFill>
+                <a:schemeClr val="tx1">
+                  <a:lumMod val="65000"/>
+                  <a:lumOff val="35000"/>
+                </a:schemeClr>
+              </a:solidFill>
+            </a:endParaRPr>
           </a:p>
         </p:txBody>
       </p:sp>
     </p:spTree>
     <p:extLst>
       <p:ext uri="{BB962C8B-B14F-4D97-AF65-F5344CB8AC3E}">
-        <p14:creationId xmlns:p14="http://schemas.microsoft.com/office/powerpoint/2010/main" val="2453623987"/>
+        <p14:creationId xmlns:p14="http://schemas.microsoft.com/office/powerpoint/2010/main" val="1219880899"/>
       </p:ext>
     </p:extLst>
   </p:cSld>
@@ -6869,7 +7111,7 @@
           <p:cNvPr id="2" name="Title 1">
             <a:extLst>
               <a:ext uri="{FF2B5EF4-FFF2-40B4-BE49-F238E27FC236}">
-                <a16:creationId xmlns:a16="http://schemas.microsoft.com/office/drawing/2014/main" id="{C12B291E-FBCE-4A8E-B8DE-ACC8C166D303}"/>
+                <a16:creationId xmlns:a16="http://schemas.microsoft.com/office/drawing/2014/main" id="{352DA3D3-3A5C-4158-B834-80EFDBB2BBFC}"/>
               </a:ext>
             </a:extLst>
           </p:cNvPr>
@@ -6912,7 +7154,7 @@
           <p:cNvPr id="3" name="Content Placeholder 2">
             <a:extLst>
               <a:ext uri="{FF2B5EF4-FFF2-40B4-BE49-F238E27FC236}">
-                <a16:creationId xmlns:a16="http://schemas.microsoft.com/office/drawing/2014/main" id="{FF3A5505-6727-44B0-9A80-A62D06C44500}"/>
+                <a16:creationId xmlns:a16="http://schemas.microsoft.com/office/drawing/2014/main" id="{2ABBE1BD-2BA6-4286-A9D5-B1A90B7D36FC}"/>
               </a:ext>
             </a:extLst>
           </p:cNvPr>
@@ -6925,8 +7167,8 @@
         </p:nvSpPr>
         <p:spPr>
           <a:xfrm>
-            <a:off x="6226819" y="871442"/>
-            <a:ext cx="5818240" cy="5115116"/>
+            <a:off x="6958856" y="871442"/>
+            <a:ext cx="4363748" cy="5115116"/>
           </a:xfrm>
         </p:spPr>
         <p:txBody>
@@ -6944,7 +7186,7 @@
                   </a:schemeClr>
                 </a:solidFill>
               </a:rPr>
-              <a:t>Campaign Information:</a:t>
+              <a:t>Client Information:</a:t>
             </a:r>
             <a:br>
               <a:rPr lang="en-US" sz="2000" dirty="0">
@@ -6979,7 +7221,7 @@
                   </a:schemeClr>
                 </a:solidFill>
               </a:rPr>
-              <a:t>Contact Communication Type</a:t>
+              <a:t>Age</a:t>
             </a:r>
           </a:p>
           <a:p>
@@ -6996,7 +7238,7 @@
                   </a:schemeClr>
                 </a:solidFill>
               </a:rPr>
-              <a:t>Month</a:t>
+              <a:t>Job</a:t>
             </a:r>
           </a:p>
           <a:p>
@@ -7013,7 +7255,7 @@
                   </a:schemeClr>
                 </a:solidFill>
               </a:rPr>
-              <a:t>Day of Week</a:t>
+              <a:t>Marital Status</a:t>
             </a:r>
           </a:p>
           <a:p>
@@ -7030,7 +7272,7 @@
                   </a:schemeClr>
                 </a:solidFill>
               </a:rPr>
-              <a:t>Contact Duration</a:t>
+              <a:t>Education</a:t>
             </a:r>
           </a:p>
           <a:p>
@@ -7047,7 +7289,7 @@
                   </a:schemeClr>
                 </a:solidFill>
               </a:rPr>
-              <a:t>Number of Contacts Performed During This Campaign</a:t>
+              <a:t>Has Credit in Default?</a:t>
             </a:r>
           </a:p>
           <a:p>
@@ -7064,7 +7306,7 @@
                   </a:schemeClr>
                 </a:solidFill>
               </a:rPr>
-              <a:t>Number of Contacts Performed Before This Campaign</a:t>
+              <a:t>Has Housing Loan?</a:t>
             </a:r>
           </a:p>
           <a:p>
@@ -7081,68 +7323,7 @@
                   </a:schemeClr>
                 </a:solidFill>
               </a:rPr>
-              <a:t>Outcome of Previous Campaign (</a:t>
-            </a:r>
-            <a:r>
-              <a:rPr lang="en-US" sz="2000" dirty="0" err="1">
-                <a:solidFill>
-                  <a:schemeClr val="tx1">
-                    <a:lumMod val="65000"/>
-                    <a:lumOff val="35000"/>
-                  </a:schemeClr>
-                </a:solidFill>
-              </a:rPr>
-              <a:t>Poutcome</a:t>
-            </a:r>
-            <a:r>
-              <a:rPr lang="en-US" sz="2000" dirty="0">
-                <a:solidFill>
-                  <a:schemeClr val="tx1">
-                    <a:lumMod val="65000"/>
-                    <a:lumOff val="35000"/>
-                  </a:schemeClr>
-                </a:solidFill>
-              </a:rPr>
-              <a:t>)</a:t>
-            </a:r>
-          </a:p>
-          <a:p>
-            <a:pPr marL="914400" lvl="1" indent="-457200">
-              <a:buFont typeface="+mj-lt"/>
-              <a:buAutoNum type="arabicPeriod"/>
-            </a:pPr>
-            <a:r>
-              <a:rPr lang="en-US" sz="2000" dirty="0">
-                <a:solidFill>
-                  <a:schemeClr val="tx1">
-                    <a:lumMod val="65000"/>
-                    <a:lumOff val="35000"/>
-                  </a:schemeClr>
-                </a:solidFill>
-              </a:rPr>
-              <a:t>Days passed since last campaign (</a:t>
-            </a:r>
-            <a:r>
-              <a:rPr lang="en-US" sz="2000" dirty="0" err="1">
-                <a:solidFill>
-                  <a:schemeClr val="tx1">
-                    <a:lumMod val="65000"/>
-                    <a:lumOff val="35000"/>
-                  </a:schemeClr>
-                </a:solidFill>
-              </a:rPr>
-              <a:t>Pday</a:t>
-            </a:r>
-            <a:r>
-              <a:rPr lang="en-US" sz="2000" dirty="0">
-                <a:solidFill>
-                  <a:schemeClr val="tx1">
-                    <a:lumMod val="65000"/>
-                    <a:lumOff val="35000"/>
-                  </a:schemeClr>
-                </a:solidFill>
-              </a:rPr>
-              <a:t>)</a:t>
+              <a:t>Has Personal Loan?</a:t>
             </a:r>
           </a:p>
         </p:txBody>
@@ -7150,7 +7331,7 @@
     </p:spTree>
     <p:extLst>
       <p:ext uri="{BB962C8B-B14F-4D97-AF65-F5344CB8AC3E}">
-        <p14:creationId xmlns:p14="http://schemas.microsoft.com/office/powerpoint/2010/main" val="3887394673"/>
+        <p14:creationId xmlns:p14="http://schemas.microsoft.com/office/powerpoint/2010/main" val="2453623987"/>
       </p:ext>
     </p:extLst>
   </p:cSld>
@@ -7395,7 +7576,7 @@
           <p:cNvPr id="2" name="Title 1">
             <a:extLst>
               <a:ext uri="{FF2B5EF4-FFF2-40B4-BE49-F238E27FC236}">
-                <a16:creationId xmlns:a16="http://schemas.microsoft.com/office/drawing/2014/main" id="{1432A392-5D65-4CC7-8299-D34B776B9C4E}"/>
+                <a16:creationId xmlns:a16="http://schemas.microsoft.com/office/drawing/2014/main" id="{C12B291E-FBCE-4A8E-B8DE-ACC8C166D303}"/>
               </a:ext>
             </a:extLst>
           </p:cNvPr>
@@ -7438,7 +7619,7 @@
           <p:cNvPr id="3" name="Content Placeholder 2">
             <a:extLst>
               <a:ext uri="{FF2B5EF4-FFF2-40B4-BE49-F238E27FC236}">
-                <a16:creationId xmlns:a16="http://schemas.microsoft.com/office/drawing/2014/main" id="{90DFA630-DC56-4234-9AAD-114357B07051}"/>
+                <a16:creationId xmlns:a16="http://schemas.microsoft.com/office/drawing/2014/main" id="{FF3A5505-6727-44B0-9A80-A62D06C44500}"/>
               </a:ext>
             </a:extLst>
           </p:cNvPr>
@@ -7451,8 +7632,8 @@
         </p:nvSpPr>
         <p:spPr>
           <a:xfrm>
-            <a:off x="6958856" y="871442"/>
-            <a:ext cx="4363748" cy="5115116"/>
+            <a:off x="6226819" y="871442"/>
+            <a:ext cx="5818240" cy="5115116"/>
           </a:xfrm>
         </p:spPr>
         <p:txBody>
@@ -7470,7 +7651,7 @@
                   </a:schemeClr>
                 </a:solidFill>
               </a:rPr>
-              <a:t>Social and Economic Information:</a:t>
+              <a:t>Campaign Information:</a:t>
             </a:r>
             <a:br>
               <a:rPr lang="en-US" sz="2000" dirty="0">
@@ -7505,7 +7686,7 @@
                   </a:schemeClr>
                 </a:solidFill>
               </a:rPr>
-              <a:t>Employment Variation Rate</a:t>
+              <a:t>Contact Communication Type</a:t>
             </a:r>
           </a:p>
           <a:p>
@@ -7522,7 +7703,7 @@
                   </a:schemeClr>
                 </a:solidFill>
               </a:rPr>
-              <a:t>CPI: Consumer Price Index</a:t>
+              <a:t>Month</a:t>
             </a:r>
           </a:p>
           <a:p>
@@ -7539,7 +7720,7 @@
                   </a:schemeClr>
                 </a:solidFill>
               </a:rPr>
-              <a:t>Euribor 3 Month Rate</a:t>
+              <a:t>Day of Week</a:t>
             </a:r>
           </a:p>
           <a:p>
@@ -7556,7 +7737,119 @@
                   </a:schemeClr>
                 </a:solidFill>
               </a:rPr>
-              <a:t>Number of Employees</a:t>
+              <a:t>Contact Duration</a:t>
+            </a:r>
+          </a:p>
+          <a:p>
+            <a:pPr marL="914400" lvl="1" indent="-457200">
+              <a:buFont typeface="+mj-lt"/>
+              <a:buAutoNum type="arabicPeriod"/>
+            </a:pPr>
+            <a:r>
+              <a:rPr lang="en-US" sz="2000" dirty="0">
+                <a:solidFill>
+                  <a:schemeClr val="tx1">
+                    <a:lumMod val="65000"/>
+                    <a:lumOff val="35000"/>
+                  </a:schemeClr>
+                </a:solidFill>
+              </a:rPr>
+              <a:t>Number of Contacts Performed During This Campaign</a:t>
+            </a:r>
+          </a:p>
+          <a:p>
+            <a:pPr marL="914400" lvl="1" indent="-457200">
+              <a:buFont typeface="+mj-lt"/>
+              <a:buAutoNum type="arabicPeriod"/>
+            </a:pPr>
+            <a:r>
+              <a:rPr lang="en-US" sz="2000" dirty="0">
+                <a:solidFill>
+                  <a:schemeClr val="tx1">
+                    <a:lumMod val="65000"/>
+                    <a:lumOff val="35000"/>
+                  </a:schemeClr>
+                </a:solidFill>
+              </a:rPr>
+              <a:t>Number of Contacts Performed Before This Campaign</a:t>
+            </a:r>
+          </a:p>
+          <a:p>
+            <a:pPr marL="914400" lvl="1" indent="-457200">
+              <a:buFont typeface="+mj-lt"/>
+              <a:buAutoNum type="arabicPeriod"/>
+            </a:pPr>
+            <a:r>
+              <a:rPr lang="en-US" sz="2000" dirty="0">
+                <a:solidFill>
+                  <a:schemeClr val="tx1">
+                    <a:lumMod val="65000"/>
+                    <a:lumOff val="35000"/>
+                  </a:schemeClr>
+                </a:solidFill>
+              </a:rPr>
+              <a:t>Outcome of Previous Campaign (</a:t>
+            </a:r>
+            <a:r>
+              <a:rPr lang="en-US" sz="2000" dirty="0" err="1">
+                <a:solidFill>
+                  <a:schemeClr val="tx1">
+                    <a:lumMod val="65000"/>
+                    <a:lumOff val="35000"/>
+                  </a:schemeClr>
+                </a:solidFill>
+              </a:rPr>
+              <a:t>Poutcome</a:t>
+            </a:r>
+            <a:r>
+              <a:rPr lang="en-US" sz="2000" dirty="0">
+                <a:solidFill>
+                  <a:schemeClr val="tx1">
+                    <a:lumMod val="65000"/>
+                    <a:lumOff val="35000"/>
+                  </a:schemeClr>
+                </a:solidFill>
+              </a:rPr>
+              <a:t>)</a:t>
+            </a:r>
+          </a:p>
+          <a:p>
+            <a:pPr marL="914400" lvl="1" indent="-457200">
+              <a:buFont typeface="+mj-lt"/>
+              <a:buAutoNum type="arabicPeriod"/>
+            </a:pPr>
+            <a:r>
+              <a:rPr lang="en-US" sz="2000" dirty="0">
+                <a:solidFill>
+                  <a:schemeClr val="tx1">
+                    <a:lumMod val="65000"/>
+                    <a:lumOff val="35000"/>
+                  </a:schemeClr>
+                </a:solidFill>
+              </a:rPr>
+              <a:t>Days passed since last campaign (</a:t>
+            </a:r>
+            <a:r>
+              <a:rPr lang="en-US" sz="2000" dirty="0" err="1">
+                <a:solidFill>
+                  <a:schemeClr val="tx1">
+                    <a:lumMod val="65000"/>
+                    <a:lumOff val="35000"/>
+                  </a:schemeClr>
+                </a:solidFill>
+              </a:rPr>
+              <a:t>Pday</a:t>
+            </a:r>
+            <a:r>
+              <a:rPr lang="en-US" sz="2000" dirty="0">
+                <a:solidFill>
+                  <a:schemeClr val="tx1">
+                    <a:lumMod val="65000"/>
+                    <a:lumOff val="35000"/>
+                  </a:schemeClr>
+                </a:solidFill>
+              </a:rPr>
+              <a:t>)</a:t>
             </a:r>
           </a:p>
         </p:txBody>
@@ -7564,7 +7857,7 @@
     </p:spTree>
     <p:extLst>
       <p:ext uri="{BB962C8B-B14F-4D97-AF65-F5344CB8AC3E}">
-        <p14:creationId xmlns:p14="http://schemas.microsoft.com/office/powerpoint/2010/main" val="2985701485"/>
+        <p14:creationId xmlns:p14="http://schemas.microsoft.com/office/powerpoint/2010/main" val="3887394673"/>
       </p:ext>
     </p:extLst>
   </p:cSld>
@@ -7575,65 +7868,6 @@
 </file>
 
 <file path=ppt/slides/slide6.xml><?xml version="1.0" encoding="utf-8"?>
-<p:sld xmlns:a="http://schemas.openxmlformats.org/drawingml/2006/main" xmlns:r="http://schemas.openxmlformats.org/officeDocument/2006/relationships" xmlns:p="http://schemas.openxmlformats.org/presentationml/2006/main">
-  <p:cSld>
-    <p:spTree>
-      <p:nvGrpSpPr>
-        <p:cNvPr id="1" name=""/>
-        <p:cNvGrpSpPr/>
-        <p:nvPr/>
-      </p:nvGrpSpPr>
-      <p:grpSpPr>
-        <a:xfrm>
-          <a:off x="0" y="0"/>
-          <a:ext cx="0" cy="0"/>
-          <a:chOff x="0" y="0"/>
-          <a:chExt cx="0" cy="0"/>
-        </a:xfrm>
-      </p:grpSpPr>
-      <p:pic>
-        <p:nvPicPr>
-          <p:cNvPr id="5" name="Content Placeholder 4" descr="Chart, pie chart&#10;&#10;Description automatically generated">
-            <a:extLst>
-              <a:ext uri="{FF2B5EF4-FFF2-40B4-BE49-F238E27FC236}">
-                <a16:creationId xmlns:a16="http://schemas.microsoft.com/office/drawing/2014/main" id="{C66C5D90-B537-4A37-9AA2-B9CDE80DAC23}"/>
-              </a:ext>
-            </a:extLst>
-          </p:cNvPr>
-          <p:cNvPicPr>
-            <a:picLocks noGrp="1" noChangeAspect="1"/>
-          </p:cNvPicPr>
-          <p:nvPr>
-            <p:ph idx="1"/>
-          </p:nvPr>
-        </p:nvPicPr>
-        <p:blipFill>
-          <a:blip r:embed="rId2"/>
-          <a:stretch>
-            <a:fillRect/>
-          </a:stretch>
-        </p:blipFill>
-        <p:spPr>
-          <a:xfrm>
-            <a:off x="706090" y="277044"/>
-            <a:ext cx="9654652" cy="6504666"/>
-          </a:xfrm>
-        </p:spPr>
-      </p:pic>
-    </p:spTree>
-    <p:extLst>
-      <p:ext uri="{BB962C8B-B14F-4D97-AF65-F5344CB8AC3E}">
-        <p14:creationId xmlns:p14="http://schemas.microsoft.com/office/powerpoint/2010/main" val="2005415512"/>
-      </p:ext>
-    </p:extLst>
-  </p:cSld>
-  <p:clrMapOvr>
-    <a:masterClrMapping/>
-  </p:clrMapOvr>
-</p:sld>
-</file>
-
-<file path=ppt/slides/slide7.xml><?xml version="1.0" encoding="utf-8"?>
 <p:sld xmlns:a="http://schemas.openxmlformats.org/drawingml/2006/main" xmlns:r="http://schemas.openxmlformats.org/officeDocument/2006/relationships" xmlns:p="http://schemas.openxmlformats.org/presentationml/2006/main">
   <p:cSld>
     <p:bg>
@@ -7868,7 +8102,7 @@
           <p:cNvPr id="2" name="Title 1">
             <a:extLst>
               <a:ext uri="{FF2B5EF4-FFF2-40B4-BE49-F238E27FC236}">
-                <a16:creationId xmlns:a16="http://schemas.microsoft.com/office/drawing/2014/main" id="{5994BE97-2F99-43C8-B1F7-4F1E915F763A}"/>
+                <a16:creationId xmlns:a16="http://schemas.microsoft.com/office/drawing/2014/main" id="{1432A392-5D65-4CC7-8299-D34B776B9C4E}"/>
               </a:ext>
             </a:extLst>
           </p:cNvPr>
@@ -7893,7 +8127,7 @@
           <a:p>
             <a:pPr algn="ctr"/>
             <a:r>
-              <a:rPr lang="en-US" sz="2400">
+              <a:rPr lang="en-US" sz="2400" dirty="0">
                 <a:solidFill>
                   <a:schemeClr val="tx1">
                     <a:lumMod val="65000"/>
@@ -7901,7 +8135,7 @@
                   </a:schemeClr>
                 </a:solidFill>
               </a:rPr>
-              <a:t>Data Cleaning:</a:t>
+              <a:t>Data Variables</a:t>
             </a:r>
           </a:p>
         </p:txBody>
@@ -7911,7 +8145,7 @@
           <p:cNvPr id="3" name="Content Placeholder 2">
             <a:extLst>
               <a:ext uri="{FF2B5EF4-FFF2-40B4-BE49-F238E27FC236}">
-                <a16:creationId xmlns:a16="http://schemas.microsoft.com/office/drawing/2014/main" id="{BA4E5AAB-1D10-406B-B4FA-B10F1F54E101}"/>
+                <a16:creationId xmlns:a16="http://schemas.microsoft.com/office/drawing/2014/main" id="{90DFA630-DC56-4234-9AAD-114357B07051}"/>
               </a:ext>
             </a:extLst>
           </p:cNvPr>
@@ -7943,41 +8177,7 @@
                   </a:schemeClr>
                 </a:solidFill>
               </a:rPr>
-              <a:t>Remove NAs (Unknown Values)</a:t>
-            </a:r>
-            <a:br>
-              <a:rPr lang="en-US" sz="2000" dirty="0">
-                <a:solidFill>
-                  <a:schemeClr val="tx1">
-                    <a:lumMod val="65000"/>
-                    <a:lumOff val="35000"/>
-                  </a:schemeClr>
-                </a:solidFill>
-              </a:rPr>
-            </a:br>
-            <a:r>
-              <a:rPr lang="en-US" sz="2000" dirty="0">
-                <a:solidFill>
-                  <a:schemeClr val="tx1">
-                    <a:lumMod val="65000"/>
-                    <a:lumOff val="35000"/>
-                  </a:schemeClr>
-                </a:solidFill>
-              </a:rPr>
-              <a:t> </a:t>
-            </a:r>
-          </a:p>
-          <a:p>
-            <a:r>
-              <a:rPr lang="en-US" sz="2000" dirty="0">
-                <a:solidFill>
-                  <a:schemeClr val="tx1">
-                    <a:lumMod val="65000"/>
-                    <a:lumOff val="35000"/>
-                  </a:schemeClr>
-                </a:solidFill>
-              </a:rPr>
-              <a:t>Changing Variable Formats </a:t>
+              <a:t>Social and Economic Information:</a:t>
             </a:r>
             <a:br>
               <a:rPr lang="en-US" sz="2000" dirty="0">
@@ -7999,6 +8199,10 @@
             </a:endParaRPr>
           </a:p>
           <a:p>
+            <a:pPr marL="914400" lvl="1" indent="-457200">
+              <a:buFont typeface="+mj-lt"/>
+              <a:buAutoNum type="arabicPeriod"/>
+            </a:pPr>
             <a:r>
               <a:rPr lang="en-US" sz="2000" dirty="0">
                 <a:solidFill>
@@ -8008,7 +8212,58 @@
                   </a:schemeClr>
                 </a:solidFill>
               </a:rPr>
-              <a:t>Splitting Data (Training 70%, Valid 30%)</a:t>
+              <a:t>Employment Variation Rate</a:t>
+            </a:r>
+          </a:p>
+          <a:p>
+            <a:pPr marL="914400" lvl="1" indent="-457200">
+              <a:buFont typeface="+mj-lt"/>
+              <a:buAutoNum type="arabicPeriod"/>
+            </a:pPr>
+            <a:r>
+              <a:rPr lang="en-US" sz="2000" dirty="0">
+                <a:solidFill>
+                  <a:schemeClr val="tx1">
+                    <a:lumMod val="65000"/>
+                    <a:lumOff val="35000"/>
+                  </a:schemeClr>
+                </a:solidFill>
+              </a:rPr>
+              <a:t>CPI: Consumer Price Index</a:t>
+            </a:r>
+          </a:p>
+          <a:p>
+            <a:pPr marL="914400" lvl="1" indent="-457200">
+              <a:buFont typeface="+mj-lt"/>
+              <a:buAutoNum type="arabicPeriod"/>
+            </a:pPr>
+            <a:r>
+              <a:rPr lang="en-US" sz="2000" dirty="0">
+                <a:solidFill>
+                  <a:schemeClr val="tx1">
+                    <a:lumMod val="65000"/>
+                    <a:lumOff val="35000"/>
+                  </a:schemeClr>
+                </a:solidFill>
+              </a:rPr>
+              <a:t>Euribor 3 Month Rate</a:t>
+            </a:r>
+          </a:p>
+          <a:p>
+            <a:pPr marL="914400" lvl="1" indent="-457200">
+              <a:buFont typeface="+mj-lt"/>
+              <a:buAutoNum type="arabicPeriod"/>
+            </a:pPr>
+            <a:r>
+              <a:rPr lang="en-US" sz="2000" dirty="0">
+                <a:solidFill>
+                  <a:schemeClr val="tx1">
+                    <a:lumMod val="65000"/>
+                    <a:lumOff val="35000"/>
+                  </a:schemeClr>
+                </a:solidFill>
+              </a:rPr>
+              <a:t>Number of Employees</a:t>
             </a:r>
           </a:p>
         </p:txBody>
@@ -8016,7 +8271,66 @@
     </p:spTree>
     <p:extLst>
       <p:ext uri="{BB962C8B-B14F-4D97-AF65-F5344CB8AC3E}">
-        <p14:creationId xmlns:p14="http://schemas.microsoft.com/office/powerpoint/2010/main" val="2496180864"/>
+        <p14:creationId xmlns:p14="http://schemas.microsoft.com/office/powerpoint/2010/main" val="2985701485"/>
+      </p:ext>
+    </p:extLst>
+  </p:cSld>
+  <p:clrMapOvr>
+    <a:masterClrMapping/>
+  </p:clrMapOvr>
+</p:sld>
+</file>
+
+<file path=ppt/slides/slide7.xml><?xml version="1.0" encoding="utf-8"?>
+<p:sld xmlns:a="http://schemas.openxmlformats.org/drawingml/2006/main" xmlns:r="http://schemas.openxmlformats.org/officeDocument/2006/relationships" xmlns:p="http://schemas.openxmlformats.org/presentationml/2006/main">
+  <p:cSld>
+    <p:spTree>
+      <p:nvGrpSpPr>
+        <p:cNvPr id="1" name=""/>
+        <p:cNvGrpSpPr/>
+        <p:nvPr/>
+      </p:nvGrpSpPr>
+      <p:grpSpPr>
+        <a:xfrm>
+          <a:off x="0" y="0"/>
+          <a:ext cx="0" cy="0"/>
+          <a:chOff x="0" y="0"/>
+          <a:chExt cx="0" cy="0"/>
+        </a:xfrm>
+      </p:grpSpPr>
+      <p:pic>
+        <p:nvPicPr>
+          <p:cNvPr id="5" name="Content Placeholder 4" descr="Chart, pie chart&#10;&#10;Description automatically generated">
+            <a:extLst>
+              <a:ext uri="{FF2B5EF4-FFF2-40B4-BE49-F238E27FC236}">
+                <a16:creationId xmlns:a16="http://schemas.microsoft.com/office/drawing/2014/main" id="{C66C5D90-B537-4A37-9AA2-B9CDE80DAC23}"/>
+              </a:ext>
+            </a:extLst>
+          </p:cNvPr>
+          <p:cNvPicPr>
+            <a:picLocks noGrp="1" noChangeAspect="1"/>
+          </p:cNvPicPr>
+          <p:nvPr>
+            <p:ph idx="1"/>
+          </p:nvPr>
+        </p:nvPicPr>
+        <p:blipFill>
+          <a:blip r:embed="rId2"/>
+          <a:stretch>
+            <a:fillRect/>
+          </a:stretch>
+        </p:blipFill>
+        <p:spPr>
+          <a:xfrm>
+            <a:off x="706090" y="277044"/>
+            <a:ext cx="9654652" cy="6504666"/>
+          </a:xfrm>
+        </p:spPr>
+      </p:pic>
+    </p:spTree>
+    <p:extLst>
+      <p:ext uri="{BB962C8B-B14F-4D97-AF65-F5344CB8AC3E}">
+        <p14:creationId xmlns:p14="http://schemas.microsoft.com/office/powerpoint/2010/main" val="2005415512"/>
       </p:ext>
     </p:extLst>
   </p:cSld>
@@ -8053,10 +8367,10 @@
       </p:grpSpPr>
       <p:sp useBgFill="1">
         <p:nvSpPr>
-          <p:cNvPr id="10" name="Rectangle 9">
-            <a:extLst>
-              <a:ext uri="{FF2B5EF4-FFF2-40B4-BE49-F238E27FC236}">
-                <a16:creationId xmlns:a16="http://schemas.microsoft.com/office/drawing/2014/main" id="{C0F7281F-D4E3-44C4-BFBA-CB593A7F6103}"/>
+          <p:cNvPr id="8" name="Rectangle 7">
+            <a:extLst>
+              <a:ext uri="{FF2B5EF4-FFF2-40B4-BE49-F238E27FC236}">
+                <a16:creationId xmlns:a16="http://schemas.microsoft.com/office/drawing/2014/main" id="{91A1FA41-E1D1-43CF-8B3B-5E6140890832}"/>
               </a:ext>
               <a:ext uri="{C183D7F6-B498-43B3-948B-1728B52AA6E4}">
                 <adec:decorative xmlns:adec="http://schemas.microsoft.com/office/drawing/2017/decorative" val="1"/>
@@ -8129,10 +8443,10 @@
       </p:sp>
       <p:sp>
         <p:nvSpPr>
-          <p:cNvPr id="12" name="Rectangle 11">
-            <a:extLst>
-              <a:ext uri="{FF2B5EF4-FFF2-40B4-BE49-F238E27FC236}">
-                <a16:creationId xmlns:a16="http://schemas.microsoft.com/office/drawing/2014/main" id="{E8B49220-D709-41F4-BFDA-B6A2F0757A66}"/>
+          <p:cNvPr id="10" name="Rectangle 9">
+            <a:extLst>
+              <a:ext uri="{FF2B5EF4-FFF2-40B4-BE49-F238E27FC236}">
+                <a16:creationId xmlns:a16="http://schemas.microsoft.com/office/drawing/2014/main" id="{FCC2D84B-6969-4F00-BEBA-81C2EBCD3299}"/>
               </a:ext>
               <a:ext uri="{C183D7F6-B498-43B3-948B-1728B52AA6E4}">
                 <adec:decorative xmlns:adec="http://schemas.microsoft.com/office/drawing/2017/decorative" val="1"/>
@@ -8152,8 +8466,8 @@
         </p:nvSpPr>
         <p:spPr>
           <a:xfrm>
-            <a:off x="685800" y="685800"/>
-            <a:ext cx="3390900" cy="5486400"/>
+            <a:off x="1" y="0"/>
+            <a:ext cx="6095999" cy="6858000"/>
           </a:xfrm>
           <a:prstGeom prst="rect">
             <a:avLst/>
@@ -8195,80 +8509,221 @@
       </p:sp>
       <p:sp>
         <p:nvSpPr>
-          <p:cNvPr id="2" name="Title 1">
-            <a:extLst>
-              <a:ext uri="{FF2B5EF4-FFF2-40B4-BE49-F238E27FC236}">
-                <a16:creationId xmlns:a16="http://schemas.microsoft.com/office/drawing/2014/main" id="{D8030017-40E3-429A-9768-5C219E6B3B24}"/>
-              </a:ext>
-            </a:extLst>
-          </p:cNvPr>
-          <p:cNvSpPr>
-            <a:spLocks noGrp="1"/>
-          </p:cNvSpPr>
-          <p:nvPr>
-            <p:ph type="title"/>
-          </p:nvPr>
-        </p:nvSpPr>
-        <p:spPr>
-          <a:xfrm>
-            <a:off x="1200922" y="1259958"/>
-            <a:ext cx="2392883" cy="2481729"/>
-          </a:xfrm>
-        </p:spPr>
-        <p:txBody>
-          <a:bodyPr vert="horz" lIns="91440" tIns="45720" rIns="91440" bIns="45720" rtlCol="0" anchor="b">
-            <a:normAutofit/>
-          </a:bodyPr>
-          <a:lstStyle/>
-          <a:p>
-            <a:pPr algn="ctr"/>
-            <a:r>
-              <a:rPr lang="en-US" sz="2400">
-                <a:solidFill>
-                  <a:srgbClr val="595959"/>
-                </a:solidFill>
-              </a:rPr>
-              <a:t>AUPRC – Area Under Precision Recall Curve</a:t>
-            </a:r>
-          </a:p>
-        </p:txBody>
-      </p:sp>
-      <p:pic>
-        <p:nvPicPr>
-          <p:cNvPr id="8" name="Content Placeholder 7" descr="Chart, line chart&#10;&#10;Description automatically generated">
-            <a:extLst>
-              <a:ext uri="{FF2B5EF4-FFF2-40B4-BE49-F238E27FC236}">
-                <a16:creationId xmlns:a16="http://schemas.microsoft.com/office/drawing/2014/main" id="{47192604-7ABE-4D4B-9F10-7F2C22410EB2}"/>
-              </a:ext>
-            </a:extLst>
-          </p:cNvPr>
-          <p:cNvPicPr>
-            <a:picLocks noGrp="1" noChangeAspect="1"/>
-          </p:cNvPicPr>
-          <p:nvPr>
-            <p:ph idx="1"/>
-          </p:nvPr>
-        </p:nvPicPr>
-        <p:blipFill>
-          <a:blip r:embed="rId2"/>
-          <a:stretch>
-            <a:fillRect/>
-          </a:stretch>
-        </p:blipFill>
-        <p:spPr>
-          <a:xfrm>
-            <a:off x="5355063" y="1259958"/>
-            <a:ext cx="5520478" cy="4786483"/>
+          <p:cNvPr id="12" name="Rectangle 11">
+            <a:extLst>
+              <a:ext uri="{FF2B5EF4-FFF2-40B4-BE49-F238E27FC236}">
+                <a16:creationId xmlns:a16="http://schemas.microsoft.com/office/drawing/2014/main" id="{B0D282BE-4461-4794-89A5-394723CDF2F3}"/>
+              </a:ext>
+              <a:ext uri="{C183D7F6-B498-43B3-948B-1728B52AA6E4}">
+                <adec:decorative xmlns:adec="http://schemas.microsoft.com/office/drawing/2017/decorative" val="1"/>
+              </a:ext>
+            </a:extLst>
+          </p:cNvPr>
+          <p:cNvSpPr>
+            <a:spLocks noGrp="1" noRot="1" noChangeAspect="1" noMove="1" noResize="1" noEditPoints="1" noAdjustHandles="1" noChangeArrowheads="1" noChangeShapeType="1" noTextEdit="1"/>
+          </p:cNvSpPr>
+          <p:nvPr>
+            <p:extLst>
+              <p:ext uri="{386F3935-93C4-4BCD-93E2-E3B085C9AB24}">
+                <p16:designElem xmlns:p16="http://schemas.microsoft.com/office/powerpoint/2015/main" val="1"/>
+              </p:ext>
+            </p:extLst>
+          </p:nvPr>
+        </p:nvSpPr>
+        <p:spPr>
+          <a:xfrm>
+            <a:off x="1371600" y="1371601"/>
+            <a:ext cx="3354572" cy="4114799"/>
           </a:xfrm>
           <a:prstGeom prst="rect">
             <a:avLst/>
           </a:prstGeom>
-        </p:spPr>
-      </p:pic>
+          <a:solidFill>
+            <a:schemeClr val="bg1"/>
+          </a:solidFill>
+          <a:ln>
+            <a:noFill/>
+          </a:ln>
+        </p:spPr>
+        <p:style>
+          <a:lnRef idx="2">
+            <a:schemeClr val="accent1">
+              <a:shade val="50000"/>
+            </a:schemeClr>
+          </a:lnRef>
+          <a:fillRef idx="1">
+            <a:schemeClr val="accent1"/>
+          </a:fillRef>
+          <a:effectRef idx="0">
+            <a:schemeClr val="accent1"/>
+          </a:effectRef>
+          <a:fontRef idx="minor">
+            <a:schemeClr val="lt1"/>
+          </a:fontRef>
+        </p:style>
+        <p:txBody>
+          <a:bodyPr rtlCol="0" anchor="ctr"/>
+          <a:lstStyle/>
+          <a:p>
+            <a:pPr algn="ctr"/>
+            <a:endParaRPr lang="en-US"/>
+          </a:p>
+        </p:txBody>
+      </p:sp>
+      <p:sp>
+        <p:nvSpPr>
+          <p:cNvPr id="2" name="Title 1">
+            <a:extLst>
+              <a:ext uri="{FF2B5EF4-FFF2-40B4-BE49-F238E27FC236}">
+                <a16:creationId xmlns:a16="http://schemas.microsoft.com/office/drawing/2014/main" id="{5994BE97-2F99-43C8-B1F7-4F1E915F763A}"/>
+              </a:ext>
+            </a:extLst>
+          </p:cNvPr>
+          <p:cNvSpPr>
+            <a:spLocks noGrp="1"/>
+          </p:cNvSpPr>
+          <p:nvPr>
+            <p:ph type="title"/>
+          </p:nvPr>
+        </p:nvSpPr>
+        <p:spPr>
+          <a:xfrm>
+            <a:off x="1798115" y="1808855"/>
+            <a:ext cx="2552956" cy="3240290"/>
+          </a:xfrm>
+        </p:spPr>
+        <p:txBody>
+          <a:bodyPr>
+            <a:normAutofit/>
+          </a:bodyPr>
+          <a:lstStyle/>
+          <a:p>
+            <a:pPr algn="ctr"/>
+            <a:r>
+              <a:rPr lang="en-US" sz="2400">
+                <a:solidFill>
+                  <a:schemeClr val="tx1">
+                    <a:lumMod val="65000"/>
+                    <a:lumOff val="35000"/>
+                  </a:schemeClr>
+                </a:solidFill>
+              </a:rPr>
+              <a:t>Data Cleaning:</a:t>
+            </a:r>
+          </a:p>
+        </p:txBody>
+      </p:sp>
+      <p:sp>
+        <p:nvSpPr>
+          <p:cNvPr id="3" name="Content Placeholder 2">
+            <a:extLst>
+              <a:ext uri="{FF2B5EF4-FFF2-40B4-BE49-F238E27FC236}">
+                <a16:creationId xmlns:a16="http://schemas.microsoft.com/office/drawing/2014/main" id="{BA4E5AAB-1D10-406B-B4FA-B10F1F54E101}"/>
+              </a:ext>
+            </a:extLst>
+          </p:cNvPr>
+          <p:cNvSpPr>
+            <a:spLocks noGrp="1"/>
+          </p:cNvSpPr>
+          <p:nvPr>
+            <p:ph idx="1"/>
+          </p:nvPr>
+        </p:nvSpPr>
+        <p:spPr>
+          <a:xfrm>
+            <a:off x="6958856" y="871442"/>
+            <a:ext cx="4363748" cy="5115116"/>
+          </a:xfrm>
+        </p:spPr>
+        <p:txBody>
+          <a:bodyPr anchor="ctr">
+            <a:normAutofit/>
+          </a:bodyPr>
+          <a:lstStyle/>
+          <a:p>
+            <a:r>
+              <a:rPr lang="en-US" sz="2000" dirty="0">
+                <a:solidFill>
+                  <a:schemeClr val="tx1">
+                    <a:lumMod val="65000"/>
+                    <a:lumOff val="35000"/>
+                  </a:schemeClr>
+                </a:solidFill>
+              </a:rPr>
+              <a:t>Remove NAs (Unknown Values)</a:t>
+            </a:r>
+            <a:br>
+              <a:rPr lang="en-US" sz="2000" dirty="0">
+                <a:solidFill>
+                  <a:schemeClr val="tx1">
+                    <a:lumMod val="65000"/>
+                    <a:lumOff val="35000"/>
+                  </a:schemeClr>
+                </a:solidFill>
+              </a:rPr>
+            </a:br>
+            <a:r>
+              <a:rPr lang="en-US" sz="2000" dirty="0">
+                <a:solidFill>
+                  <a:schemeClr val="tx1">
+                    <a:lumMod val="65000"/>
+                    <a:lumOff val="35000"/>
+                  </a:schemeClr>
+                </a:solidFill>
+              </a:rPr>
+              <a:t> </a:t>
+            </a:r>
+          </a:p>
+          <a:p>
+            <a:r>
+              <a:rPr lang="en-US" sz="2000" dirty="0">
+                <a:solidFill>
+                  <a:schemeClr val="tx1">
+                    <a:lumMod val="65000"/>
+                    <a:lumOff val="35000"/>
+                  </a:schemeClr>
+                </a:solidFill>
+              </a:rPr>
+              <a:t>Changing Variable Formats </a:t>
+            </a:r>
+            <a:br>
+              <a:rPr lang="en-US" sz="2000" dirty="0">
+                <a:solidFill>
+                  <a:schemeClr val="tx1">
+                    <a:lumMod val="65000"/>
+                    <a:lumOff val="35000"/>
+                  </a:schemeClr>
+                </a:solidFill>
+              </a:rPr>
+            </a:br>
+            <a:endParaRPr lang="en-US" sz="2000" dirty="0">
+              <a:solidFill>
+                <a:schemeClr val="tx1">
+                  <a:lumMod val="65000"/>
+                  <a:lumOff val="35000"/>
+                </a:schemeClr>
+              </a:solidFill>
+            </a:endParaRPr>
+          </a:p>
+          <a:p>
+            <a:r>
+              <a:rPr lang="en-US" sz="2000" dirty="0">
+                <a:solidFill>
+                  <a:schemeClr val="tx1">
+                    <a:lumMod val="65000"/>
+                    <a:lumOff val="35000"/>
+                  </a:schemeClr>
+                </a:solidFill>
+              </a:rPr>
+              <a:t>Splitting Data (Training 70%, Valid 30%)</a:t>
+            </a:r>
+          </a:p>
+        </p:txBody>
+      </p:sp>
     </p:spTree>
     <p:extLst>
       <p:ext uri="{BB962C8B-B14F-4D97-AF65-F5344CB8AC3E}">
-        <p14:creationId xmlns:p14="http://schemas.microsoft.com/office/powerpoint/2010/main" val="273245725"/>
+        <p14:creationId xmlns:p14="http://schemas.microsoft.com/office/powerpoint/2010/main" val="2496180864"/>
       </p:ext>
     </p:extLst>
   </p:cSld>
@@ -8305,10 +8760,10 @@
       </p:grpSpPr>
       <p:sp useBgFill="1">
         <p:nvSpPr>
-          <p:cNvPr id="14" name="Rectangle 13">
-            <a:extLst>
-              <a:ext uri="{FF2B5EF4-FFF2-40B4-BE49-F238E27FC236}">
-                <a16:creationId xmlns:a16="http://schemas.microsoft.com/office/drawing/2014/main" id="{53F29798-D584-4792-9B62-3F5F5C36D619}"/>
+          <p:cNvPr id="10" name="Rectangle 9">
+            <a:extLst>
+              <a:ext uri="{FF2B5EF4-FFF2-40B4-BE49-F238E27FC236}">
+                <a16:creationId xmlns:a16="http://schemas.microsoft.com/office/drawing/2014/main" id="{C0F7281F-D4E3-44C4-BFBA-CB593A7F6103}"/>
               </a:ext>
               <a:ext uri="{C183D7F6-B498-43B3-948B-1728B52AA6E4}">
                 <adec:decorative xmlns:adec="http://schemas.microsoft.com/office/drawing/2017/decorative" val="1"/>
@@ -8329,14 +8784,30 @@
         <p:spPr>
           <a:xfrm>
             <a:off x="0" y="0"/>
-            <a:ext cx="12188952" cy="6858000"/>
+            <a:ext cx="12192000" cy="6858000"/>
           </a:xfrm>
           <a:prstGeom prst="rect">
             <a:avLst/>
           </a:prstGeom>
-          <a:ln>
+          <a:ln w="12700" cap="flat" cmpd="sng" algn="ctr">
             <a:noFill/>
+            <a:prstDash val="solid"/>
+            <a:miter lim="800000"/>
           </a:ln>
+          <a:effectLst/>
+          <a:extLst>
+            <a:ext uri="{91240B29-F687-4F45-9708-019B960494DF}">
+              <a14:hiddenLine xmlns:a14="http://schemas.microsoft.com/office/drawing/2010/main" w="12700" cap="flat" cmpd="sng" algn="ctr">
+                <a:solidFill>
+                  <a:schemeClr val="accent1">
+                    <a:shade val="50000"/>
+                  </a:schemeClr>
+                </a:solidFill>
+                <a:prstDash val="solid"/>
+                <a:miter lim="800000"/>
+              </a14:hiddenLine>
+            </a:ext>
+          </a:extLst>
         </p:spPr>
         <p:style>
           <a:lnRef idx="2">
@@ -8363,19 +8834,127 @@
           </a:p>
         </p:txBody>
       </p:sp>
+      <p:sp>
+        <p:nvSpPr>
+          <p:cNvPr id="12" name="Rectangle 11">
+            <a:extLst>
+              <a:ext uri="{FF2B5EF4-FFF2-40B4-BE49-F238E27FC236}">
+                <a16:creationId xmlns:a16="http://schemas.microsoft.com/office/drawing/2014/main" id="{E8B49220-D709-41F4-BFDA-B6A2F0757A66}"/>
+              </a:ext>
+              <a:ext uri="{C183D7F6-B498-43B3-948B-1728B52AA6E4}">
+                <adec:decorative xmlns:adec="http://schemas.microsoft.com/office/drawing/2017/decorative" val="1"/>
+              </a:ext>
+            </a:extLst>
+          </p:cNvPr>
+          <p:cNvSpPr>
+            <a:spLocks noGrp="1" noRot="1" noChangeAspect="1" noMove="1" noResize="1" noEditPoints="1" noAdjustHandles="1" noChangeArrowheads="1" noChangeShapeType="1" noTextEdit="1"/>
+          </p:cNvSpPr>
+          <p:nvPr>
+            <p:extLst>
+              <p:ext uri="{386F3935-93C4-4BCD-93E2-E3B085C9AB24}">
+                <p16:designElem xmlns:p16="http://schemas.microsoft.com/office/powerpoint/2015/main" val="1"/>
+              </p:ext>
+            </p:extLst>
+          </p:nvPr>
+        </p:nvSpPr>
+        <p:spPr>
+          <a:xfrm>
+            <a:off x="685800" y="685800"/>
+            <a:ext cx="3390900" cy="5486400"/>
+          </a:xfrm>
+          <a:prstGeom prst="rect">
+            <a:avLst/>
+          </a:prstGeom>
+          <a:solidFill>
+            <a:schemeClr val="accent2">
+              <a:lumMod val="20000"/>
+              <a:lumOff val="80000"/>
+            </a:schemeClr>
+          </a:solidFill>
+          <a:ln>
+            <a:noFill/>
+          </a:ln>
+        </p:spPr>
+        <p:style>
+          <a:lnRef idx="2">
+            <a:schemeClr val="accent1">
+              <a:shade val="50000"/>
+            </a:schemeClr>
+          </a:lnRef>
+          <a:fillRef idx="1">
+            <a:schemeClr val="accent1"/>
+          </a:fillRef>
+          <a:effectRef idx="0">
+            <a:schemeClr val="accent1"/>
+          </a:effectRef>
+          <a:fontRef idx="minor">
+            <a:schemeClr val="lt1"/>
+          </a:fontRef>
+        </p:style>
+        <p:txBody>
+          <a:bodyPr rtlCol="0" anchor="ctr"/>
+          <a:lstStyle/>
+          <a:p>
+            <a:pPr algn="ctr"/>
+            <a:endParaRPr lang="en-US"/>
+          </a:p>
+        </p:txBody>
+      </p:sp>
+      <p:sp>
+        <p:nvSpPr>
+          <p:cNvPr id="2" name="Title 1">
+            <a:extLst>
+              <a:ext uri="{FF2B5EF4-FFF2-40B4-BE49-F238E27FC236}">
+                <a16:creationId xmlns:a16="http://schemas.microsoft.com/office/drawing/2014/main" id="{D8030017-40E3-429A-9768-5C219E6B3B24}"/>
+              </a:ext>
+            </a:extLst>
+          </p:cNvPr>
+          <p:cNvSpPr>
+            <a:spLocks noGrp="1"/>
+          </p:cNvSpPr>
+          <p:nvPr>
+            <p:ph type="title"/>
+          </p:nvPr>
+        </p:nvSpPr>
+        <p:spPr>
+          <a:xfrm>
+            <a:off x="1200922" y="1259958"/>
+            <a:ext cx="2392883" cy="2481729"/>
+          </a:xfrm>
+        </p:spPr>
+        <p:txBody>
+          <a:bodyPr vert="horz" lIns="91440" tIns="45720" rIns="91440" bIns="45720" rtlCol="0" anchor="b">
+            <a:normAutofit/>
+          </a:bodyPr>
+          <a:lstStyle/>
+          <a:p>
+            <a:pPr algn="ctr"/>
+            <a:r>
+              <a:rPr lang="en-US" sz="2400">
+                <a:solidFill>
+                  <a:srgbClr val="595959"/>
+                </a:solidFill>
+              </a:rPr>
+              <a:t>AUPRC – Area Under Precision Recall Curve</a:t>
+            </a:r>
+          </a:p>
+        </p:txBody>
+      </p:sp>
       <p:pic>
         <p:nvPicPr>
-          <p:cNvPr id="7" name="Picture 6" descr="Chart&#10;&#10;Description automatically generated">
-            <a:extLst>
-              <a:ext uri="{FF2B5EF4-FFF2-40B4-BE49-F238E27FC236}">
-                <a16:creationId xmlns:a16="http://schemas.microsoft.com/office/drawing/2014/main" id="{B5FB4646-2A80-4630-B2BD-A81D87E42927}"/>
+          <p:cNvPr id="8" name="Content Placeholder 7" descr="Chart, line chart&#10;&#10;Description automatically generated">
+            <a:extLst>
+              <a:ext uri="{FF2B5EF4-FFF2-40B4-BE49-F238E27FC236}">
+                <a16:creationId xmlns:a16="http://schemas.microsoft.com/office/drawing/2014/main" id="{47192604-7ABE-4D4B-9F10-7F2C22410EB2}"/>
               </a:ext>
             </a:extLst>
           </p:cNvPr>
           <p:cNvPicPr>
-            <a:picLocks noChangeAspect="1"/>
+            <a:picLocks noGrp="1" noChangeAspect="1"/>
           </p:cNvPicPr>
-          <p:nvPr/>
+          <p:nvPr>
+            <p:ph idx="1"/>
+          </p:nvPr>
         </p:nvPicPr>
         <p:blipFill>
           <a:blip r:embed="rId2"/>
@@ -8385,159 +8964,18 @@
         </p:blipFill>
         <p:spPr>
           <a:xfrm>
-            <a:off x="914400" y="1844675"/>
-            <a:ext cx="5145088" cy="4449763"/>
+            <a:off x="5355063" y="1259958"/>
+            <a:ext cx="5520478" cy="4786483"/>
           </a:xfrm>
           <a:prstGeom prst="rect">
             <a:avLst/>
           </a:prstGeom>
         </p:spPr>
       </p:pic>
-      <p:pic>
-        <p:nvPicPr>
-          <p:cNvPr id="9" name="Content Placeholder 8" descr="Chart&#10;&#10;Description automatically generated">
-            <a:extLst>
-              <a:ext uri="{FF2B5EF4-FFF2-40B4-BE49-F238E27FC236}">
-                <a16:creationId xmlns:a16="http://schemas.microsoft.com/office/drawing/2014/main" id="{83220864-2557-4F27-A76B-508A3638A646}"/>
-              </a:ext>
-            </a:extLst>
-          </p:cNvPr>
-          <p:cNvPicPr>
-            <a:picLocks noGrp="1" noChangeAspect="1"/>
-          </p:cNvPicPr>
-          <p:nvPr>
-            <p:ph idx="1"/>
-          </p:nvPr>
-        </p:nvPicPr>
-        <p:blipFill>
-          <a:blip r:embed="rId3"/>
-          <a:stretch>
-            <a:fillRect/>
-          </a:stretch>
-        </p:blipFill>
-        <p:spPr>
-          <a:xfrm>
-            <a:off x="6130925" y="1844675"/>
-            <a:ext cx="5145088" cy="4449763"/>
-          </a:xfrm>
-        </p:spPr>
-      </p:pic>
-      <p:sp>
-        <p:nvSpPr>
-          <p:cNvPr id="2" name="Title 1">
-            <a:extLst>
-              <a:ext uri="{FF2B5EF4-FFF2-40B4-BE49-F238E27FC236}">
-                <a16:creationId xmlns:a16="http://schemas.microsoft.com/office/drawing/2014/main" id="{6FAFBFCB-7220-4EA3-AA42-F44732B5BFEF}"/>
-              </a:ext>
-            </a:extLst>
-          </p:cNvPr>
-          <p:cNvSpPr>
-            <a:spLocks noGrp="1"/>
-          </p:cNvSpPr>
-          <p:nvPr>
-            <p:ph type="title"/>
-          </p:nvPr>
-        </p:nvSpPr>
-        <p:spPr>
-          <a:xfrm>
-            <a:off x="838200" y="184805"/>
-            <a:ext cx="10515600" cy="1505883"/>
-          </a:xfrm>
-        </p:spPr>
-        <p:txBody>
-          <a:bodyPr vert="horz" lIns="91440" tIns="45720" rIns="91440" bIns="45720" rtlCol="0" anchor="ctr">
-            <a:normAutofit/>
-          </a:bodyPr>
-          <a:lstStyle/>
-          <a:p>
-            <a:r>
-              <a:rPr lang="en-US" sz="5200" kern="1200" dirty="0">
-                <a:solidFill>
-                  <a:schemeClr val="tx1"/>
-                </a:solidFill>
-                <a:latin typeface="+mj-lt"/>
-                <a:ea typeface="+mj-ea"/>
-                <a:cs typeface="+mj-cs"/>
-              </a:rPr>
-              <a:t>Current Model Evaluation</a:t>
-            </a:r>
-          </a:p>
-        </p:txBody>
-      </p:sp>
-      <p:sp>
-        <p:nvSpPr>
-          <p:cNvPr id="10" name="TextBox 9">
-            <a:extLst>
-              <a:ext uri="{FF2B5EF4-FFF2-40B4-BE49-F238E27FC236}">
-                <a16:creationId xmlns:a16="http://schemas.microsoft.com/office/drawing/2014/main" id="{28C29E66-992D-4C6C-B93C-0D1031DAD8F9}"/>
-              </a:ext>
-            </a:extLst>
-          </p:cNvPr>
-          <p:cNvSpPr txBox="1"/>
-          <p:nvPr/>
-        </p:nvSpPr>
-        <p:spPr>
-          <a:xfrm>
-            <a:off x="1548607" y="1521719"/>
-            <a:ext cx="1009315" cy="369332"/>
-          </a:xfrm>
-          <a:prstGeom prst="rect">
-            <a:avLst/>
-          </a:prstGeom>
-          <a:noFill/>
-        </p:spPr>
-        <p:txBody>
-          <a:bodyPr wrap="none" rtlCol="0">
-            <a:spAutoFit/>
-          </a:bodyPr>
-          <a:lstStyle/>
-          <a:p>
-            <a:r>
-              <a:rPr lang="en-US" b="1" dirty="0"/>
-              <a:t>Training:</a:t>
-            </a:r>
-          </a:p>
-        </p:txBody>
-      </p:sp>
-      <p:sp>
-        <p:nvSpPr>
-          <p:cNvPr id="13" name="TextBox 12">
-            <a:extLst>
-              <a:ext uri="{FF2B5EF4-FFF2-40B4-BE49-F238E27FC236}">
-                <a16:creationId xmlns:a16="http://schemas.microsoft.com/office/drawing/2014/main" id="{349B842C-4086-4C4D-846E-E32B53C87EF2}"/>
-              </a:ext>
-            </a:extLst>
-          </p:cNvPr>
-          <p:cNvSpPr txBox="1"/>
-          <p:nvPr/>
-        </p:nvSpPr>
-        <p:spPr>
-          <a:xfrm>
-            <a:off x="6780363" y="1548421"/>
-            <a:ext cx="902898" cy="369332"/>
-          </a:xfrm>
-          <a:prstGeom prst="rect">
-            <a:avLst/>
-          </a:prstGeom>
-          <a:noFill/>
-        </p:spPr>
-        <p:txBody>
-          <a:bodyPr wrap="square">
-            <a:spAutoFit/>
-          </a:bodyPr>
-          <a:lstStyle/>
-          <a:p>
-            <a:r>
-              <a:rPr lang="en-US" b="1" dirty="0"/>
-              <a:t>Valid:</a:t>
-            </a:r>
-          </a:p>
-        </p:txBody>
-      </p:sp>
     </p:spTree>
     <p:extLst>
       <p:ext uri="{BB962C8B-B14F-4D97-AF65-F5344CB8AC3E}">
-        <p14:creationId xmlns:p14="http://schemas.microsoft.com/office/powerpoint/2010/main" val="2286067067"/>
+        <p14:creationId xmlns:p14="http://schemas.microsoft.com/office/powerpoint/2010/main" val="273245725"/>
       </p:ext>
     </p:extLst>
   </p:cSld>

--- a/Predicting with Bank Marketing Data.pptx
+++ b/Predicting with Bank Marketing Data.pptx
@@ -6408,7 +6408,7 @@
                   </a:schemeClr>
                 </a:solidFill>
               </a:rPr>
-              <a:t>Efficient Marketing Campaign</a:t>
+              <a:t>Determine which clients will be receptive to our campaign</a:t>
             </a:r>
           </a:p>
           <a:p>
